--- a/Collocation-Extraction-Using-Amazon-Elastic-Map-Reduce.pptx
+++ b/Collocation-Extraction-Using-Amazon-Elastic-Map-Reduce.pptx
@@ -4014,7 +4014,7 @@
         <p:spPr>
           <a:xfrm>
             <a:off x="611560" y="1340768"/>
-            <a:ext cx="7920880" cy="5232202"/>
+            <a:ext cx="7920880" cy="5016758"/>
           </a:xfrm>
           <a:prstGeom prst="rect">
             <a:avLst/>
@@ -4145,6 +4145,10 @@
               <a:t>() so the information gets to the reducer sorted by </a:t>
             </a:r>
             <a:r>
+              <a:rPr lang="en-US" sz="1400" i="1" dirty="0" smtClean="0"/>
+              <a:t>decade, </a:t>
+            </a:r>
+            <a:r>
               <a:rPr lang="en-US" sz="1400" i="1" dirty="0" err="1" smtClean="0"/>
               <a:t>firstWord</a:t>
             </a:r>
@@ -4158,19 +4162,8 @@
             </a:r>
             <a:r>
               <a:rPr lang="en-US" sz="1400" i="1" dirty="0" smtClean="0"/>
-              <a:t>, </a:t>
-            </a:r>
-            <a:endParaRPr lang="he-IL" sz="1400" i="1" dirty="0" smtClean="0"/>
-          </a:p>
-          <a:p>
-            <a:pPr algn="l"/>
-            <a:r>
-              <a:rPr lang="en-US" sz="1400" i="1" dirty="0" smtClean="0"/>
-              <a:t>decade.</a:t>
-            </a:r>
-          </a:p>
-          <a:p>
-            <a:pPr algn="l"/>
+              <a:t>.</a:t>
+            </a:r>
             <a:endParaRPr lang="en-US" sz="1400" i="1" dirty="0" smtClean="0"/>
           </a:p>
           <a:p>
@@ -4432,6 +4425,10 @@
               <a:t>() so the information gets to the reducer sorted by </a:t>
             </a:r>
             <a:r>
+              <a:rPr lang="en-US" sz="1400" i="1" dirty="0" smtClean="0"/>
+              <a:t>decade, </a:t>
+            </a:r>
+            <a:r>
               <a:rPr lang="en-US" sz="1400" i="1" dirty="0" err="1" smtClean="0"/>
               <a:t>firstWord</a:t>
             </a:r>
@@ -4445,16 +4442,9 @@
             </a:r>
             <a:r>
               <a:rPr lang="en-US" sz="1400" i="1" dirty="0" smtClean="0"/>
-              <a:t>, </a:t>
-            </a:r>
-            <a:endParaRPr lang="he-IL" sz="1400" i="1" dirty="0" smtClean="0"/>
-          </a:p>
-          <a:p>
-            <a:pPr algn="l"/>
-            <a:r>
-              <a:rPr lang="en-US" sz="1400" i="1" dirty="0" smtClean="0"/>
-              <a:t>decade.</a:t>
-            </a:r>
+              <a:t>.</a:t>
+            </a:r>
+            <a:endParaRPr lang="en-US" sz="1400" i="1" dirty="0" smtClean="0"/>
           </a:p>
           <a:p>
             <a:pPr algn="l"/>

--- a/Collocation-Extraction-Using-Amazon-Elastic-Map-Reduce.pptx
+++ b/Collocation-Extraction-Using-Amazon-Elastic-Map-Reduce.pptx
@@ -297,7 +297,7 @@
             <a:fld id="{238F1066-411F-45C4-93E6-7F3F0620A5D4}" type="datetimeFigureOut">
               <a:rPr lang="he-IL" smtClean="0"/>
               <a:pPr/>
-              <a:t>י"ט/אדר/תשע"ז</a:t>
+              <a:t>כ'/אדר/תשע"ז</a:t>
             </a:fld>
             <a:endParaRPr lang="he-IL"/>
           </a:p>
@@ -464,7 +464,7 @@
             <a:fld id="{238F1066-411F-45C4-93E6-7F3F0620A5D4}" type="datetimeFigureOut">
               <a:rPr lang="he-IL" smtClean="0"/>
               <a:pPr/>
-              <a:t>י"ט/אדר/תשע"ז</a:t>
+              <a:t>כ'/אדר/תשע"ז</a:t>
             </a:fld>
             <a:endParaRPr lang="he-IL"/>
           </a:p>
@@ -641,7 +641,7 @@
             <a:fld id="{238F1066-411F-45C4-93E6-7F3F0620A5D4}" type="datetimeFigureOut">
               <a:rPr lang="he-IL" smtClean="0"/>
               <a:pPr/>
-              <a:t>י"ט/אדר/תשע"ז</a:t>
+              <a:t>כ'/אדר/תשע"ז</a:t>
             </a:fld>
             <a:endParaRPr lang="he-IL"/>
           </a:p>
@@ -808,7 +808,7 @@
             <a:fld id="{238F1066-411F-45C4-93E6-7F3F0620A5D4}" type="datetimeFigureOut">
               <a:rPr lang="he-IL" smtClean="0"/>
               <a:pPr/>
-              <a:t>י"ט/אדר/תשע"ז</a:t>
+              <a:t>כ'/אדר/תשע"ז</a:t>
             </a:fld>
             <a:endParaRPr lang="he-IL"/>
           </a:p>
@@ -1051,7 +1051,7 @@
             <a:fld id="{238F1066-411F-45C4-93E6-7F3F0620A5D4}" type="datetimeFigureOut">
               <a:rPr lang="he-IL" smtClean="0"/>
               <a:pPr/>
-              <a:t>י"ט/אדר/תשע"ז</a:t>
+              <a:t>כ'/אדר/תשע"ז</a:t>
             </a:fld>
             <a:endParaRPr lang="he-IL"/>
           </a:p>
@@ -1336,7 +1336,7 @@
             <a:fld id="{238F1066-411F-45C4-93E6-7F3F0620A5D4}" type="datetimeFigureOut">
               <a:rPr lang="he-IL" smtClean="0"/>
               <a:pPr/>
-              <a:t>י"ט/אדר/תשע"ז</a:t>
+              <a:t>כ'/אדר/תשע"ז</a:t>
             </a:fld>
             <a:endParaRPr lang="he-IL"/>
           </a:p>
@@ -1755,7 +1755,7 @@
             <a:fld id="{238F1066-411F-45C4-93E6-7F3F0620A5D4}" type="datetimeFigureOut">
               <a:rPr lang="he-IL" smtClean="0"/>
               <a:pPr/>
-              <a:t>י"ט/אדר/תשע"ז</a:t>
+              <a:t>כ'/אדר/תשע"ז</a:t>
             </a:fld>
             <a:endParaRPr lang="he-IL"/>
           </a:p>
@@ -1870,7 +1870,7 @@
             <a:fld id="{238F1066-411F-45C4-93E6-7F3F0620A5D4}" type="datetimeFigureOut">
               <a:rPr lang="he-IL" smtClean="0"/>
               <a:pPr/>
-              <a:t>י"ט/אדר/תשע"ז</a:t>
+              <a:t>כ'/אדר/תשע"ז</a:t>
             </a:fld>
             <a:endParaRPr lang="he-IL"/>
           </a:p>
@@ -1962,7 +1962,7 @@
             <a:fld id="{238F1066-411F-45C4-93E6-7F3F0620A5D4}" type="datetimeFigureOut">
               <a:rPr lang="he-IL" smtClean="0"/>
               <a:pPr/>
-              <a:t>י"ט/אדר/תשע"ז</a:t>
+              <a:t>כ'/אדר/תשע"ז</a:t>
             </a:fld>
             <a:endParaRPr lang="he-IL"/>
           </a:p>
@@ -2236,7 +2236,7 @@
             <a:fld id="{238F1066-411F-45C4-93E6-7F3F0620A5D4}" type="datetimeFigureOut">
               <a:rPr lang="he-IL" smtClean="0"/>
               <a:pPr/>
-              <a:t>י"ט/אדר/תשע"ז</a:t>
+              <a:t>כ'/אדר/תשע"ז</a:t>
             </a:fld>
             <a:endParaRPr lang="he-IL"/>
           </a:p>
@@ -2486,7 +2486,7 @@
             <a:fld id="{238F1066-411F-45C4-93E6-7F3F0620A5D4}" type="datetimeFigureOut">
               <a:rPr lang="he-IL" smtClean="0"/>
               <a:pPr/>
-              <a:t>י"ט/אדר/תשע"ז</a:t>
+              <a:t>כ'/אדר/תשע"ז</a:t>
             </a:fld>
             <a:endParaRPr lang="he-IL"/>
           </a:p>
@@ -2696,7 +2696,7 @@
             <a:fld id="{238F1066-411F-45C4-93E6-7F3F0620A5D4}" type="datetimeFigureOut">
               <a:rPr lang="he-IL" smtClean="0"/>
               <a:pPr/>
-              <a:t>י"ט/אדר/תשע"ז</a:t>
+              <a:t>כ'/אדר/תשע"ז</a:t>
             </a:fld>
             <a:endParaRPr lang="he-IL"/>
           </a:p>
@@ -3084,14 +3084,16 @@
           </a:xfrm>
         </p:spPr>
         <p:txBody>
-          <a:bodyPr/>
+          <a:bodyPr>
+            <a:normAutofit/>
+          </a:bodyPr>
           <a:lstStyle/>
           <a:p>
             <a:r>
-              <a:rPr lang="en-US" dirty="0" smtClean="0"/>
+              <a:rPr lang="en-US" sz="3600" dirty="0" smtClean="0"/>
               <a:t>Collocation Extraction Using Amazon Elastic Map Reduce</a:t>
             </a:r>
-            <a:endParaRPr lang="he-IL" dirty="0"/>
+            <a:endParaRPr lang="he-IL" sz="3600" dirty="0"/>
           </a:p>
         </p:txBody>
       </p:sp>
@@ -3293,6 +3295,13 @@
   <p:clrMapOvr>
     <a:masterClrMapping/>
   </p:clrMapOvr>
+  <p:timing>
+    <p:tnLst>
+      <p:par>
+        <p:cTn id="1" dur="indefinite" restart="never" nodeType="tmRoot"/>
+      </p:par>
+    </p:tnLst>
+  </p:timing>
 </p:sld>
 </file>
 
@@ -3331,15 +3340,15 @@
         </p:spPr>
         <p:txBody>
           <a:bodyPr>
-            <a:normAutofit fontScale="90000"/>
+            <a:normAutofit/>
           </a:bodyPr>
           <a:lstStyle/>
           <a:p>
             <a:r>
-              <a:rPr lang="en-US" dirty="0" smtClean="0"/>
+              <a:rPr lang="en-US" sz="3600" u="sng" dirty="0" smtClean="0"/>
               <a:t>How to extract the best collocations…?!</a:t>
             </a:r>
-            <a:endParaRPr lang="he-IL" dirty="0"/>
+            <a:endParaRPr lang="he-IL" sz="3600" u="sng" dirty="0"/>
           </a:p>
         </p:txBody>
       </p:sp>
@@ -3353,10 +3362,15 @@
             <p:ph idx="1"/>
           </p:nvPr>
         </p:nvSpPr>
-        <p:spPr/>
+        <p:spPr>
+          <a:xfrm>
+            <a:off x="457200" y="1600200"/>
+            <a:ext cx="8435280" cy="4997152"/>
+          </a:xfrm>
+        </p:spPr>
         <p:txBody>
           <a:bodyPr>
-            <a:normAutofit/>
+            <a:normAutofit fontScale="92500" lnSpcReduction="20000"/>
           </a:bodyPr>
           <a:lstStyle/>
           <a:p>
@@ -3365,14 +3379,30 @@
             </a:pPr>
             <a:r>
               <a:rPr lang="en-US" sz="2400" dirty="0" smtClean="0"/>
-              <a:t>Use Normalized </a:t>
-            </a:r>
-            <a:r>
-              <a:rPr lang="en-US" sz="2400" dirty="0" err="1" smtClean="0"/>
+              <a:t>Use </a:t>
+            </a:r>
+            <a:r>
+              <a:rPr lang="en-US" sz="2400" i="1" u="sng" dirty="0" smtClean="0">
+                <a:solidFill>
+                  <a:srgbClr val="FF0000"/>
+                </a:solidFill>
+              </a:rPr>
+              <a:t>Normalized </a:t>
+            </a:r>
+            <a:r>
+              <a:rPr lang="en-US" sz="2400" i="1" u="sng" dirty="0" err="1" smtClean="0">
+                <a:solidFill>
+                  <a:srgbClr val="FF0000"/>
+                </a:solidFill>
+              </a:rPr>
               <a:t>Pointwise</a:t>
             </a:r>
             <a:r>
-              <a:rPr lang="en-US" sz="2400" dirty="0" smtClean="0"/>
+              <a:rPr lang="en-US" sz="2400" i="1" u="sng" dirty="0" smtClean="0">
+                <a:solidFill>
+                  <a:srgbClr val="FF0000"/>
+                </a:solidFill>
+              </a:rPr>
               <a:t> Mutual Information</a:t>
             </a:r>
           </a:p>
@@ -3395,9 +3425,78 @@
             </a:r>
           </a:p>
           <a:p>
-            <a:pPr algn="l">
+            <a:pPr lvl="2" algn="l">
               <a:buNone/>
             </a:pPr>
+            <a:endParaRPr lang="he-IL" sz="1800" dirty="0" smtClean="0"/>
+          </a:p>
+          <a:p>
+            <a:pPr lvl="2" algn="l">
+              <a:buNone/>
+            </a:pPr>
+            <a:r>
+              <a:rPr lang="en-US" sz="1800" dirty="0" smtClean="0"/>
+              <a:t>			</a:t>
+            </a:r>
+            <a:r>
+              <a:rPr lang="en-US" sz="1800" dirty="0" err="1" smtClean="0"/>
+              <a:t>npmi</a:t>
+            </a:r>
+            <a:r>
+              <a:rPr lang="en-US" sz="1800" dirty="0" smtClean="0"/>
+              <a:t> = -1 =&gt; never occurring together</a:t>
+            </a:r>
+            <a:endParaRPr lang="he-IL" sz="1800" dirty="0" smtClean="0"/>
+          </a:p>
+          <a:p>
+            <a:pPr lvl="2" algn="l">
+              <a:buNone/>
+            </a:pPr>
+            <a:r>
+              <a:rPr lang="en-US" sz="1800" dirty="0" err="1" smtClean="0"/>
+              <a:t>npmi</a:t>
+            </a:r>
+            <a:r>
+              <a:rPr lang="en-US" sz="1800" dirty="0" smtClean="0"/>
+              <a:t> = 0 =&gt; independence</a:t>
+            </a:r>
+          </a:p>
+          <a:p>
+            <a:pPr lvl="2" algn="l">
+              <a:buNone/>
+            </a:pPr>
+            <a:r>
+              <a:rPr lang="en-US" sz="1800" dirty="0" err="1" smtClean="0"/>
+              <a:t>npmi</a:t>
+            </a:r>
+            <a:r>
+              <a:rPr lang="en-US" sz="1800" dirty="0" smtClean="0"/>
+              <a:t> = 1 =&gt; complete </a:t>
+            </a:r>
+            <a:r>
+              <a:rPr lang="en-US" sz="1800" dirty="0" smtClean="0"/>
+              <a:t>co-</a:t>
+            </a:r>
+            <a:r>
+              <a:rPr lang="en-US" sz="1800" dirty="0" err="1" smtClean="0"/>
+              <a:t>occurence</a:t>
+            </a:r>
+            <a:endParaRPr lang="en-US" sz="1800" dirty="0" smtClean="0"/>
+          </a:p>
+          <a:p>
+            <a:pPr lvl="2" algn="l">
+              <a:buNone/>
+            </a:pPr>
+            <a:endParaRPr lang="en-US" sz="2400" dirty="0" smtClean="0"/>
+          </a:p>
+          <a:p>
+            <a:pPr lvl="2" algn="l">
+              <a:buNone/>
+            </a:pPr>
+            <a:r>
+              <a:rPr lang="en-US" dirty="0" smtClean="0"/>
+              <a:t>So…</a:t>
+            </a:r>
             <a:endParaRPr lang="en-US" sz="2400" dirty="0"/>
           </a:p>
           <a:p>
@@ -3420,7 +3519,15 @@
             </a:r>
             <a:r>
               <a:rPr lang="en-US" sz="2400" dirty="0" smtClean="0"/>
-              <a:t>High NPMI = Bingo! Collocation!</a:t>
+              <a:t>High NPMI </a:t>
+            </a:r>
+            <a:r>
+              <a:rPr lang="en-US" sz="2400" dirty="0" smtClean="0"/>
+              <a:t>=&gt; </a:t>
+            </a:r>
+            <a:r>
+              <a:rPr lang="en-US" sz="2400" dirty="0" smtClean="0"/>
+              <a:t>Bingo! Collocation!</a:t>
             </a:r>
             <a:endParaRPr lang="he-IL" sz="2400" dirty="0" smtClean="0"/>
           </a:p>
@@ -3448,9 +3555,19 @@
             </a:r>
             <a:r>
               <a:rPr lang="en-US" sz="2400" dirty="0" smtClean="0"/>
-              <a:t>Low NPMI =&gt;</a:t>
+              <a:t>Low </a:t>
+            </a:r>
+            <a:r>
+              <a:rPr lang="en-US" sz="2400" dirty="0" smtClean="0"/>
+              <a:t>NPMI =&gt;</a:t>
             </a:r>
             <a:endParaRPr lang="he-IL" sz="2400" dirty="0" smtClean="0"/>
+          </a:p>
+          <a:p>
+            <a:pPr lvl="2" algn="l">
+              <a:buNone/>
+            </a:pPr>
+            <a:endParaRPr lang="en-US" sz="1800" dirty="0" smtClean="0"/>
           </a:p>
           <a:p>
             <a:pPr algn="l">
@@ -3459,12 +3576,16 @@
             <a:endParaRPr lang="en-US" sz="2400" dirty="0" smtClean="0"/>
           </a:p>
           <a:p>
-            <a:pPr algn="l">
+            <a:pPr algn="ctr">
               <a:buNone/>
             </a:pPr>
             <a:r>
               <a:rPr lang="en-US" sz="2400" dirty="0" smtClean="0"/>
-              <a:t>We have a formula!!!</a:t>
+              <a:t>We </a:t>
+            </a:r>
+            <a:r>
+              <a:rPr lang="en-US" sz="2400" dirty="0" smtClean="0"/>
+              <a:t>have a formula!!!</a:t>
             </a:r>
           </a:p>
           <a:p>
@@ -3542,8 +3663,8 @@
         </p:blipFill>
         <p:spPr bwMode="auto">
           <a:xfrm>
-            <a:off x="6516216" y="1556792"/>
-            <a:ext cx="2408094" cy="3585968"/>
+            <a:off x="6195338" y="1608085"/>
+            <a:ext cx="2769150" cy="4123628"/>
           </a:xfrm>
           <a:prstGeom prst="rect">
             <a:avLst/>
@@ -3556,6 +3677,13 @@
   <p:clrMapOvr>
     <a:masterClrMapping/>
   </p:clrMapOvr>
+  <p:timing>
+    <p:tnLst>
+      <p:par>
+        <p:cTn id="1" dur="indefinite" restart="never" nodeType="tmRoot"/>
+      </p:par>
+    </p:tnLst>
+  </p:timing>
 </p:sld>
 </file>
 
@@ -3589,15 +3717,15 @@
         <p:spPr/>
         <p:txBody>
           <a:bodyPr>
-            <a:normAutofit fontScale="90000"/>
+            <a:noAutofit/>
           </a:bodyPr>
           <a:lstStyle/>
           <a:p>
             <a:r>
-              <a:rPr lang="en-US" u="sng" dirty="0" smtClean="0"/>
+              <a:rPr lang="en-US" sz="3600" u="sng" dirty="0" smtClean="0"/>
               <a:t>So, how did we calculate all the parameters?</a:t>
             </a:r>
-            <a:endParaRPr lang="he-IL" u="sng" dirty="0"/>
+            <a:endParaRPr lang="he-IL" sz="3600" u="sng" dirty="0"/>
           </a:p>
         </p:txBody>
       </p:sp>
@@ -3707,7 +3835,11 @@
             </a:r>
             <a:r>
               <a:rPr lang="en-US" dirty="0" smtClean="0"/>
-              <a:t> map reduce – relative NPMI &amp; sorting</a:t>
+              <a:t> map reduce – relative NPMI &amp; </a:t>
+            </a:r>
+            <a:r>
+              <a:rPr lang="en-US" dirty="0" smtClean="0"/>
+              <a:t>sorting</a:t>
             </a:r>
             <a:endParaRPr lang="he-IL" dirty="0" smtClean="0"/>
           </a:p>
@@ -3744,6 +3876,13 @@
   <p:clrMapOvr>
     <a:masterClrMapping/>
   </p:clrMapOvr>
+  <p:timing>
+    <p:tnLst>
+      <p:par>
+        <p:cTn id="1" dur="indefinite" restart="never" nodeType="tmRoot"/>
+      </p:par>
+    </p:tnLst>
+  </p:timing>
 </p:sld>
 </file>
 
@@ -3776,22 +3915,24 @@
         </p:nvSpPr>
         <p:spPr/>
         <p:txBody>
-          <a:bodyPr/>
+          <a:bodyPr>
+            <a:normAutofit/>
+          </a:bodyPr>
           <a:lstStyle/>
           <a:p>
             <a:r>
-              <a:rPr lang="en-US" u="sng" dirty="0" smtClean="0"/>
+              <a:rPr lang="en-US" sz="3600" u="sng" dirty="0" smtClean="0"/>
               <a:t>1</a:t>
             </a:r>
             <a:r>
-              <a:rPr lang="en-US" u="sng" baseline="30000" dirty="0" smtClean="0"/>
+              <a:rPr lang="en-US" sz="3600" u="sng" baseline="30000" dirty="0" smtClean="0"/>
               <a:t>st</a:t>
             </a:r>
             <a:r>
-              <a:rPr lang="en-US" u="sng" dirty="0" smtClean="0"/>
+              <a:rPr lang="en-US" sz="3600" u="sng" dirty="0" smtClean="0"/>
               <a:t> Map Reduce</a:t>
             </a:r>
-            <a:endParaRPr lang="he-IL" u="sng" dirty="0"/>
+            <a:endParaRPr lang="he-IL" sz="3600" u="sng" dirty="0"/>
           </a:p>
         </p:txBody>
       </p:sp>
@@ -3940,8 +4081,8 @@
         </p:blipFill>
         <p:spPr bwMode="auto">
           <a:xfrm>
-            <a:off x="6012160" y="2337039"/>
-            <a:ext cx="2728812" cy="2504442"/>
+            <a:off x="5508104" y="1988840"/>
+            <a:ext cx="3016844" cy="2768792"/>
           </a:xfrm>
           <a:prstGeom prst="rect">
             <a:avLst/>
@@ -3949,11 +4090,186 @@
           <a:noFill/>
         </p:spPr>
       </p:pic>
+      <p:sp>
+        <p:nvSpPr>
+          <p:cNvPr id="5" name="TextBox 4"/>
+          <p:cNvSpPr txBox="1"/>
+          <p:nvPr/>
+        </p:nvSpPr>
+        <p:spPr>
+          <a:xfrm>
+            <a:off x="107504" y="332656"/>
+            <a:ext cx="2880320" cy="830997"/>
+          </a:xfrm>
+          <a:prstGeom prst="rect">
+            <a:avLst/>
+          </a:prstGeom>
+          <a:noFill/>
+          <a:ln cmpd="sng">
+            <a:solidFill>
+              <a:schemeClr val="tx1"/>
+            </a:solidFill>
+          </a:ln>
+        </p:spPr>
+        <p:txBody>
+          <a:bodyPr wrap="square" rtlCol="1">
+            <a:spAutoFit/>
+          </a:bodyPr>
+          <a:lstStyle/>
+          <a:p>
+            <a:pPr algn="l"/>
+            <a:r>
+              <a:rPr lang="en-US" sz="1600" u="sng" dirty="0" smtClean="0"/>
+              <a:t>Mapper</a:t>
+            </a:r>
+          </a:p>
+          <a:p>
+            <a:pPr algn="l"/>
+            <a:r>
+              <a:rPr lang="en-US" sz="1600" dirty="0" smtClean="0"/>
+              <a:t>Input: &lt;LongWritable,Text&gt;</a:t>
+            </a:r>
+          </a:p>
+          <a:p>
+            <a:pPr algn="l"/>
+            <a:r>
+              <a:rPr lang="en-US" sz="1600" dirty="0" smtClean="0"/>
+              <a:t>Output: &lt;Bigram,LongWritable&gt;</a:t>
+            </a:r>
+            <a:endParaRPr lang="en-US" sz="1600" dirty="0" smtClean="0"/>
+          </a:p>
+        </p:txBody>
+      </p:sp>
+      <p:sp>
+        <p:nvSpPr>
+          <p:cNvPr id="7" name="TextBox 6"/>
+          <p:cNvSpPr txBox="1"/>
+          <p:nvPr/>
+        </p:nvSpPr>
+        <p:spPr>
+          <a:xfrm>
+            <a:off x="6191672" y="404664"/>
+            <a:ext cx="2844824" cy="830997"/>
+          </a:xfrm>
+          <a:prstGeom prst="rect">
+            <a:avLst/>
+          </a:prstGeom>
+          <a:noFill/>
+          <a:ln cmpd="sng">
+            <a:solidFill>
+              <a:schemeClr val="tx1"/>
+            </a:solidFill>
+          </a:ln>
+        </p:spPr>
+        <p:txBody>
+          <a:bodyPr wrap="square" rtlCol="1">
+            <a:spAutoFit/>
+          </a:bodyPr>
+          <a:lstStyle/>
+          <a:p>
+            <a:pPr algn="l"/>
+            <a:r>
+              <a:rPr lang="en-US" sz="1600" u="sng" dirty="0" smtClean="0"/>
+              <a:t>Reducer</a:t>
+            </a:r>
+          </a:p>
+          <a:p>
+            <a:pPr algn="l"/>
+            <a:r>
+              <a:rPr lang="en-US" sz="1600" dirty="0" smtClean="0"/>
+              <a:t>Input: &lt;Bigram,LongWritable&gt;</a:t>
+            </a:r>
+          </a:p>
+          <a:p>
+            <a:pPr algn="l"/>
+            <a:r>
+              <a:rPr lang="en-US" sz="1600" dirty="0" smtClean="0"/>
+              <a:t>Output: &lt;Bigram,LongWritable&gt;</a:t>
+            </a:r>
+            <a:endParaRPr lang="en-US" sz="1600" dirty="0" smtClean="0"/>
+          </a:p>
+        </p:txBody>
+      </p:sp>
+      <p:cxnSp>
+        <p:nvCxnSpPr>
+          <p:cNvPr id="9" name="Straight Arrow Connector 8"/>
+          <p:cNvCxnSpPr/>
+          <p:nvPr/>
+        </p:nvCxnSpPr>
+        <p:spPr>
+          <a:xfrm flipH="1" flipV="1">
+            <a:off x="8388424" y="1268760"/>
+            <a:ext cx="144016" cy="432048"/>
+          </a:xfrm>
+          <a:prstGeom prst="straightConnector1">
+            <a:avLst/>
+          </a:prstGeom>
+          <a:ln>
+            <a:tailEnd type="arrow"/>
+          </a:ln>
+        </p:spPr>
+        <p:style>
+          <a:lnRef idx="1">
+            <a:schemeClr val="accent1"/>
+          </a:lnRef>
+          <a:fillRef idx="0">
+            <a:schemeClr val="accent1"/>
+          </a:fillRef>
+          <a:effectRef idx="0">
+            <a:schemeClr val="accent1"/>
+          </a:effectRef>
+          <a:fontRef idx="minor">
+            <a:schemeClr val="tx1"/>
+          </a:fontRef>
+        </p:style>
+      </p:cxnSp>
+      <p:sp>
+        <p:nvSpPr>
+          <p:cNvPr id="10" name="TextBox 9"/>
+          <p:cNvSpPr txBox="1"/>
+          <p:nvPr/>
+        </p:nvSpPr>
+        <p:spPr>
+          <a:xfrm>
+            <a:off x="8244408" y="1700808"/>
+            <a:ext cx="755576" cy="261610"/>
+          </a:xfrm>
+          <a:prstGeom prst="rect">
+            <a:avLst/>
+          </a:prstGeom>
+          <a:noFill/>
+          <a:ln cmpd="sng">
+            <a:solidFill>
+              <a:schemeClr val="tx1"/>
+            </a:solidFill>
+          </a:ln>
+        </p:spPr>
+        <p:txBody>
+          <a:bodyPr wrap="square" rtlCol="1">
+            <a:spAutoFit/>
+          </a:bodyPr>
+          <a:lstStyle/>
+          <a:p>
+            <a:r>
+              <a:rPr lang="en-US" sz="1100" dirty="0" smtClean="0"/>
+              <a:t>C(w1,w2)</a:t>
+            </a:r>
+            <a:endParaRPr lang="he-IL" sz="1100" dirty="0"/>
+          </a:p>
+        </p:txBody>
+      </p:sp>
     </p:spTree>
   </p:cSld>
   <p:clrMapOvr>
     <a:masterClrMapping/>
   </p:clrMapOvr>
+  <p:timing>
+    <p:tnLst>
+      <p:par>
+        <p:cTn id="1" dur="indefinite" restart="never" nodeType="tmRoot"/>
+      </p:par>
+    </p:tnLst>
+  </p:timing>
 </p:sld>
 </file>
 
@@ -3986,22 +4302,24 @@
         </p:nvSpPr>
         <p:spPr/>
         <p:txBody>
-          <a:bodyPr/>
+          <a:bodyPr>
+            <a:normAutofit/>
+          </a:bodyPr>
           <a:lstStyle/>
           <a:p>
             <a:r>
-              <a:rPr lang="en-US" u="sng" dirty="0" smtClean="0"/>
+              <a:rPr lang="en-US" sz="3600" u="sng" dirty="0" smtClean="0"/>
               <a:t>2</a:t>
             </a:r>
             <a:r>
-              <a:rPr lang="en-US" u="sng" baseline="30000" dirty="0" smtClean="0"/>
+              <a:rPr lang="en-US" sz="3600" u="sng" baseline="30000" dirty="0" smtClean="0"/>
               <a:t>nd</a:t>
             </a:r>
             <a:r>
-              <a:rPr lang="en-US" u="sng" dirty="0" smtClean="0"/>
+              <a:rPr lang="en-US" sz="3600" u="sng" dirty="0" smtClean="0"/>
               <a:t> Map Reduce</a:t>
             </a:r>
-            <a:endParaRPr lang="he-IL" u="sng" dirty="0"/>
+            <a:endParaRPr lang="he-IL" sz="3600" u="sng" dirty="0"/>
           </a:p>
         </p:txBody>
       </p:sp>
@@ -4080,11 +4398,31 @@
             </a:pPr>
             <a:r>
               <a:rPr lang="en-US" dirty="0" smtClean="0"/>
-              <a:t>Are sent twice – the original one + </a:t>
+              <a:t>Are sent </a:t>
+            </a:r>
+            <a:r>
+              <a:rPr lang="en-US" b="1" u="sng" dirty="0" smtClean="0">
+                <a:solidFill>
+                  <a:srgbClr val="FF0000"/>
+                </a:solidFill>
+              </a:rPr>
+              <a:t>twice</a:t>
+            </a:r>
+            <a:r>
+              <a:rPr lang="en-US" dirty="0" smtClean="0"/>
+              <a:t> – the original </a:t>
+            </a:r>
+            <a:r>
+              <a:rPr lang="en-US" dirty="0" smtClean="0"/>
+              <a:t>bigram + </a:t>
             </a:r>
             <a:r>
               <a:rPr lang="en-US" b="1" u="sng" dirty="0" smtClean="0"/>
-              <a:t>a * instead of the second word</a:t>
+              <a:t>a </a:t>
+            </a:r>
+            <a:r>
+              <a:rPr lang="en-US" b="1" u="sng" dirty="0" smtClean="0"/>
+              <a:t>* instead of the second word</a:t>
             </a:r>
             <a:r>
               <a:rPr lang="en-US" i="1" dirty="0" smtClean="0"/>
@@ -4113,7 +4451,15 @@
             <a:pPr algn="l"/>
             <a:r>
               <a:rPr lang="en-US" dirty="0" smtClean="0"/>
-              <a:t>&lt;dog barked 196, 10&gt;</a:t>
+              <a:t>&lt;dog </a:t>
+            </a:r>
+            <a:r>
+              <a:rPr lang="en-US" dirty="0" smtClean="0"/>
+              <a:t>   ate     196</a:t>
+            </a:r>
+            <a:r>
+              <a:rPr lang="en-US" dirty="0" smtClean="0"/>
+              <a:t>, 10&gt;</a:t>
             </a:r>
             <a:endParaRPr lang="he-IL" dirty="0" smtClean="0"/>
           </a:p>
@@ -4123,7 +4469,15 @@
             </a:pPr>
             <a:r>
               <a:rPr lang="en-US" dirty="0" smtClean="0"/>
-              <a:t>&lt;dog ate 196, 10&gt;</a:t>
+              <a:t>&lt;dog </a:t>
+            </a:r>
+            <a:r>
+              <a:rPr lang="en-US" dirty="0" smtClean="0"/>
+              <a:t>barked </a:t>
+            </a:r>
+            <a:r>
+              <a:rPr lang="en-US" dirty="0" smtClean="0"/>
+              <a:t>196, 10&gt;</a:t>
             </a:r>
           </a:p>
           <a:p>
@@ -4142,11 +4496,7 @@
             </a:r>
             <a:r>
               <a:rPr lang="en-US" sz="1400" i="1" dirty="0" smtClean="0"/>
-              <a:t>() so the information gets to the reducer sorted by </a:t>
-            </a:r>
-            <a:r>
-              <a:rPr lang="en-US" sz="1400" i="1" dirty="0" smtClean="0"/>
-              <a:t>decade, </a:t>
+              <a:t>() so the information gets to the reducer sorted by decade, </a:t>
             </a:r>
             <a:r>
               <a:rPr lang="en-US" sz="1400" i="1" dirty="0" err="1" smtClean="0"/>
@@ -4164,13 +4514,28 @@
               <a:rPr lang="en-US" sz="1400" i="1" dirty="0" smtClean="0"/>
               <a:t>.</a:t>
             </a:r>
-            <a:endParaRPr lang="en-US" sz="1400" i="1" dirty="0" smtClean="0"/>
           </a:p>
           <a:p>
             <a:pPr algn="l"/>
             <a:r>
               <a:rPr lang="en-US" sz="2000" i="1" dirty="0" smtClean="0"/>
-              <a:t>So, the reducer can calculate C(w1) and just “put” it in dog barked and dog shouted, very easily…</a:t>
+              <a:t>So, the reducer can calculate C(w1) and just </a:t>
+            </a:r>
+            <a:r>
+              <a:rPr lang="en-US" sz="2000" i="1" dirty="0" smtClean="0"/>
+              <a:t>“paste” </a:t>
+            </a:r>
+            <a:r>
+              <a:rPr lang="en-US" sz="2000" i="1" dirty="0" smtClean="0"/>
+              <a:t>it in </a:t>
+            </a:r>
+            <a:r>
+              <a:rPr lang="en-US" sz="2000" i="1" dirty="0" smtClean="0"/>
+              <a:t>the bigrams to come afterwards, </a:t>
+            </a:r>
+            <a:r>
+              <a:rPr lang="en-US" sz="2000" i="1" dirty="0" smtClean="0"/>
+              <a:t>very easily…</a:t>
             </a:r>
             <a:r>
               <a:rPr lang="en-US" sz="1400" i="1" dirty="0" smtClean="0"/>
@@ -4220,8 +4585,8 @@
         </p:blipFill>
         <p:spPr bwMode="auto">
           <a:xfrm>
-            <a:off x="6732240" y="188640"/>
-            <a:ext cx="2296380" cy="2612132"/>
+            <a:off x="7308304" y="2132856"/>
+            <a:ext cx="1770886" cy="2014382"/>
           </a:xfrm>
           <a:prstGeom prst="rect">
             <a:avLst/>
@@ -4229,11 +4594,187 @@
           <a:noFill/>
         </p:spPr>
       </p:pic>
+      <p:sp>
+        <p:nvSpPr>
+          <p:cNvPr id="5" name="TextBox 4"/>
+          <p:cNvSpPr txBox="1"/>
+          <p:nvPr/>
+        </p:nvSpPr>
+        <p:spPr>
+          <a:xfrm>
+            <a:off x="107504" y="332656"/>
+            <a:ext cx="2880320" cy="830997"/>
+          </a:xfrm>
+          <a:prstGeom prst="rect">
+            <a:avLst/>
+          </a:prstGeom>
+          <a:noFill/>
+          <a:ln cmpd="sng">
+            <a:solidFill>
+              <a:schemeClr val="tx1"/>
+            </a:solidFill>
+          </a:ln>
+        </p:spPr>
+        <p:txBody>
+          <a:bodyPr wrap="square" rtlCol="1">
+            <a:spAutoFit/>
+          </a:bodyPr>
+          <a:lstStyle/>
+          <a:p>
+            <a:pPr algn="l"/>
+            <a:r>
+              <a:rPr lang="en-US" sz="1600" u="sng" dirty="0" smtClean="0"/>
+              <a:t>Mapper</a:t>
+            </a:r>
+          </a:p>
+          <a:p>
+            <a:pPr algn="l"/>
+            <a:r>
+              <a:rPr lang="en-US" sz="1600" dirty="0" smtClean="0"/>
+              <a:t>Input: &lt;LongWritable,Text&gt;</a:t>
+            </a:r>
+          </a:p>
+          <a:p>
+            <a:pPr algn="l"/>
+            <a:r>
+              <a:rPr lang="en-US" sz="1600" dirty="0" smtClean="0"/>
+              <a:t>Output: &lt;Bigram,LongWritable&gt;</a:t>
+            </a:r>
+            <a:endParaRPr lang="en-US" sz="1600" dirty="0" smtClean="0"/>
+          </a:p>
+        </p:txBody>
+      </p:sp>
+      <p:sp>
+        <p:nvSpPr>
+          <p:cNvPr id="6" name="TextBox 5"/>
+          <p:cNvSpPr txBox="1"/>
+          <p:nvPr/>
+        </p:nvSpPr>
+        <p:spPr>
+          <a:xfrm>
+            <a:off x="6191672" y="404664"/>
+            <a:ext cx="2700808" cy="830997"/>
+          </a:xfrm>
+          <a:prstGeom prst="rect">
+            <a:avLst/>
+          </a:prstGeom>
+          <a:noFill/>
+          <a:ln cmpd="sng">
+            <a:solidFill>
+              <a:schemeClr val="tx1"/>
+            </a:solidFill>
+          </a:ln>
+        </p:spPr>
+        <p:txBody>
+          <a:bodyPr wrap="square" rtlCol="1">
+            <a:spAutoFit/>
+          </a:bodyPr>
+          <a:lstStyle/>
+          <a:p>
+            <a:pPr algn="l"/>
+            <a:r>
+              <a:rPr lang="en-US" sz="1600" u="sng" dirty="0" smtClean="0"/>
+              <a:t>Reducer</a:t>
+            </a:r>
+          </a:p>
+          <a:p>
+            <a:pPr algn="l"/>
+            <a:r>
+              <a:rPr lang="en-US" sz="1600" dirty="0" smtClean="0"/>
+              <a:t>Input: &lt;Bigram,LongWritable&gt;</a:t>
+            </a:r>
+          </a:p>
+          <a:p>
+            <a:pPr algn="l"/>
+            <a:r>
+              <a:rPr lang="en-US" sz="1600" dirty="0" smtClean="0"/>
+              <a:t>Output: &lt;Bigram,Text&gt;</a:t>
+            </a:r>
+            <a:endParaRPr lang="en-US" sz="1600" dirty="0" smtClean="0"/>
+          </a:p>
+        </p:txBody>
+      </p:sp>
+      <p:cxnSp>
+        <p:nvCxnSpPr>
+          <p:cNvPr id="7" name="Straight Arrow Connector 6"/>
+          <p:cNvCxnSpPr/>
+          <p:nvPr/>
+        </p:nvCxnSpPr>
+        <p:spPr>
+          <a:xfrm flipH="1" flipV="1">
+            <a:off x="8388424" y="1268760"/>
+            <a:ext cx="72008" cy="288032"/>
+          </a:xfrm>
+          <a:prstGeom prst="straightConnector1">
+            <a:avLst/>
+          </a:prstGeom>
+          <a:ln>
+            <a:tailEnd type="arrow"/>
+          </a:ln>
+        </p:spPr>
+        <p:style>
+          <a:lnRef idx="1">
+            <a:schemeClr val="accent1"/>
+          </a:lnRef>
+          <a:fillRef idx="0">
+            <a:schemeClr val="accent1"/>
+          </a:fillRef>
+          <a:effectRef idx="0">
+            <a:schemeClr val="accent1"/>
+          </a:effectRef>
+          <a:fontRef idx="minor">
+            <a:schemeClr val="tx1"/>
+          </a:fontRef>
+        </p:style>
+      </p:cxnSp>
+      <p:sp>
+        <p:nvSpPr>
+          <p:cNvPr id="8" name="TextBox 7"/>
+          <p:cNvSpPr txBox="1"/>
+          <p:nvPr/>
+        </p:nvSpPr>
+        <p:spPr>
+          <a:xfrm>
+            <a:off x="7740352" y="1556792"/>
+            <a:ext cx="1224136" cy="261610"/>
+          </a:xfrm>
+          <a:prstGeom prst="rect">
+            <a:avLst/>
+          </a:prstGeom>
+          <a:noFill/>
+          <a:ln cmpd="sng">
+            <a:solidFill>
+              <a:schemeClr val="tx1"/>
+            </a:solidFill>
+          </a:ln>
+        </p:spPr>
+        <p:txBody>
+          <a:bodyPr wrap="square" rtlCol="1">
+            <a:spAutoFit/>
+          </a:bodyPr>
+          <a:lstStyle/>
+          <a:p>
+            <a:pPr algn="ctr"/>
+            <a:r>
+              <a:rPr lang="en-US" sz="1100" dirty="0" smtClean="0"/>
+              <a:t>C(w1,w2), C(w1)</a:t>
+            </a:r>
+            <a:endParaRPr lang="he-IL" sz="1100" dirty="0"/>
+          </a:p>
+        </p:txBody>
+      </p:sp>
     </p:spTree>
   </p:cSld>
   <p:clrMapOvr>
     <a:masterClrMapping/>
   </p:clrMapOvr>
+  <p:timing>
+    <p:tnLst>
+      <p:par>
+        <p:cTn id="1" dur="indefinite" restart="never" nodeType="tmRoot"/>
+      </p:par>
+    </p:tnLst>
+  </p:timing>
 </p:sld>
 </file>
 
@@ -4266,22 +4807,24 @@
         </p:nvSpPr>
         <p:spPr/>
         <p:txBody>
-          <a:bodyPr/>
+          <a:bodyPr>
+            <a:normAutofit/>
+          </a:bodyPr>
           <a:lstStyle/>
           <a:p>
             <a:r>
-              <a:rPr lang="en-US" u="sng" dirty="0" smtClean="0"/>
+              <a:rPr lang="en-US" sz="3600" u="sng" dirty="0" smtClean="0"/>
               <a:t>3</a:t>
             </a:r>
             <a:r>
-              <a:rPr lang="en-US" u="sng" baseline="30000" dirty="0" smtClean="0"/>
+              <a:rPr lang="en-US" sz="3600" u="sng" baseline="30000" dirty="0" smtClean="0"/>
               <a:t>rd</a:t>
             </a:r>
             <a:r>
-              <a:rPr lang="en-US" u="sng" dirty="0" smtClean="0"/>
+              <a:rPr lang="en-US" sz="3600" u="sng" dirty="0" smtClean="0"/>
               <a:t> Map Reduce</a:t>
             </a:r>
-            <a:endParaRPr lang="he-IL" u="sng" dirty="0"/>
+            <a:endParaRPr lang="he-IL" sz="3600" u="sng" dirty="0"/>
           </a:p>
         </p:txBody>
       </p:sp>
@@ -4360,15 +4903,39 @@
             </a:pPr>
             <a:r>
               <a:rPr lang="en-US" dirty="0" smtClean="0"/>
-              <a:t>Are sent twice – the original one + </a:t>
+              <a:t>Are sent twice – the</a:t>
+            </a:r>
+            <a:r>
+              <a:rPr lang="en-US" dirty="0" smtClean="0"/>
+              <a:t> original </a:t>
+            </a:r>
+            <a:r>
+              <a:rPr lang="en-US" dirty="0" smtClean="0"/>
+              <a:t>one (</a:t>
             </a:r>
             <a:r>
               <a:rPr lang="en-US" b="1" u="sng" dirty="0" smtClean="0"/>
-              <a:t>a * instead of the second word</a:t>
-            </a:r>
-            <a:r>
-              <a:rPr lang="en-US" i="1" dirty="0" smtClean="0"/>
-              <a:t>!</a:t>
+              <a:t>reversed</a:t>
+            </a:r>
+            <a:r>
+              <a:rPr lang="en-US" dirty="0" smtClean="0"/>
+              <a:t>) </a:t>
+            </a:r>
+            <a:r>
+              <a:rPr lang="en-US" dirty="0" smtClean="0"/>
+              <a:t>+ </a:t>
+            </a:r>
+            <a:r>
+              <a:rPr lang="en-US" dirty="0" err="1" smtClean="0"/>
+              <a:t>BigramAsAstrix</a:t>
+            </a:r>
+            <a:r>
+              <a:rPr lang="en-US" dirty="0" smtClean="0"/>
+              <a:t>(second, </a:t>
+            </a:r>
+            <a:r>
+              <a:rPr lang="en-US" dirty="0" smtClean="0"/>
+              <a:t>*,decade)</a:t>
             </a:r>
             <a:endParaRPr lang="en-US" dirty="0" smtClean="0"/>
           </a:p>
@@ -4386,14 +4953,26 @@
             <a:pPr algn="l"/>
             <a:r>
               <a:rPr lang="en-US" dirty="0" smtClean="0"/>
-              <a:t>&lt;barked     *       196, 10 + 10&gt; </a:t>
+              <a:t>&lt;barked     </a:t>
+            </a:r>
+            <a:r>
+              <a:rPr lang="en-US" dirty="0" smtClean="0"/>
+              <a:t> *         196</a:t>
+            </a:r>
+            <a:r>
+              <a:rPr lang="en-US" dirty="0" smtClean="0"/>
+              <a:t>, 10 + 10&gt; </a:t>
             </a:r>
           </a:p>
           <a:p>
             <a:pPr algn="l"/>
             <a:r>
               <a:rPr lang="en-US" dirty="0" smtClean="0"/>
-              <a:t>&lt;dog barked 196, 10&gt;</a:t>
+              <a:t>&lt;barked  cat   196</a:t>
+            </a:r>
+            <a:r>
+              <a:rPr lang="en-US" dirty="0" smtClean="0"/>
+              <a:t>, 10&gt;</a:t>
             </a:r>
             <a:endParaRPr lang="he-IL" dirty="0" smtClean="0"/>
           </a:p>
@@ -4403,7 +4982,11 @@
             </a:pPr>
             <a:r>
               <a:rPr lang="en-US" dirty="0" smtClean="0"/>
-              <a:t>&lt;cat  barked196, 10&gt;</a:t>
+              <a:t>&lt;barked dog  196</a:t>
+            </a:r>
+            <a:r>
+              <a:rPr lang="en-US" dirty="0" smtClean="0"/>
+              <a:t>, 10&gt;</a:t>
             </a:r>
           </a:p>
           <a:p>
@@ -4422,11 +5005,7 @@
             </a:r>
             <a:r>
               <a:rPr lang="en-US" sz="1400" i="1" dirty="0" smtClean="0"/>
-              <a:t>() so the information gets to the reducer sorted by </a:t>
-            </a:r>
-            <a:r>
-              <a:rPr lang="en-US" sz="1400" i="1" dirty="0" smtClean="0"/>
-              <a:t>decade, </a:t>
+              <a:t>() so the information gets to the reducer sorted by decade, </a:t>
             </a:r>
             <a:r>
               <a:rPr lang="en-US" sz="1400" i="1" dirty="0" err="1" smtClean="0"/>
@@ -4444,7 +5023,6 @@
               <a:rPr lang="en-US" sz="1400" i="1" dirty="0" smtClean="0"/>
               <a:t>.</a:t>
             </a:r>
-            <a:endParaRPr lang="en-US" sz="1400" i="1" dirty="0" smtClean="0"/>
           </a:p>
           <a:p>
             <a:pPr algn="l"/>
@@ -4454,7 +5032,15 @@
             <a:pPr algn="l"/>
             <a:r>
               <a:rPr lang="en-US" sz="2000" i="1" dirty="0" smtClean="0"/>
-              <a:t>So, the reducer can calculate C(w2) and just “put” it in dog barked and cat barked, very easily…</a:t>
+              <a:t>So, the reducer can calculate C(w2) and </a:t>
+            </a:r>
+            <a:r>
+              <a:rPr lang="en-US" sz="2000" i="1" dirty="0" smtClean="0"/>
+              <a:t>just </a:t>
+            </a:r>
+            <a:r>
+              <a:rPr lang="en-US" sz="2000" i="1" dirty="0" smtClean="0"/>
+              <a:t>“paste” it in the bigrams to come afterwards, very easily…</a:t>
             </a:r>
             <a:r>
               <a:rPr lang="en-US" sz="1400" i="1" dirty="0" smtClean="0"/>
@@ -4471,6 +5057,7 @@
               <a:rPr lang="en-US" dirty="0" smtClean="0"/>
               <a:t> </a:t>
             </a:r>
+            <a:endParaRPr lang="en-US" dirty="0" smtClean="0"/>
           </a:p>
           <a:p>
             <a:pPr algn="l">
@@ -4478,7 +5065,15 @@
             </a:pPr>
             <a:r>
               <a:rPr lang="en-US" b="1" i="1" u="sng" dirty="0" smtClean="0"/>
-              <a:t>so we now have get C(w1) for each pair at each decade.</a:t>
+              <a:t>so we now have get </a:t>
+            </a:r>
+            <a:r>
+              <a:rPr lang="en-US" b="1" i="1" u="sng" dirty="0" smtClean="0"/>
+              <a:t>C(w2) </a:t>
+            </a:r>
+            <a:r>
+              <a:rPr lang="en-US" b="1" i="1" u="sng" dirty="0" smtClean="0"/>
+              <a:t>for each pair at each decade.</a:t>
             </a:r>
             <a:r>
               <a:rPr lang="en-US" dirty="0" smtClean="0"/>
@@ -4504,8 +5099,8 @@
         </p:blipFill>
         <p:spPr bwMode="auto">
           <a:xfrm>
-            <a:off x="6588224" y="116632"/>
-            <a:ext cx="2435322" cy="2871924"/>
+            <a:off x="4499992" y="1268760"/>
+            <a:ext cx="1425906" cy="1681542"/>
           </a:xfrm>
           <a:prstGeom prst="rect">
             <a:avLst/>
@@ -4513,11 +5108,187 @@
           <a:noFill/>
         </p:spPr>
       </p:pic>
+      <p:sp>
+        <p:nvSpPr>
+          <p:cNvPr id="5" name="TextBox 4"/>
+          <p:cNvSpPr txBox="1"/>
+          <p:nvPr/>
+        </p:nvSpPr>
+        <p:spPr>
+          <a:xfrm>
+            <a:off x="251520" y="404664"/>
+            <a:ext cx="2520280" cy="830997"/>
+          </a:xfrm>
+          <a:prstGeom prst="rect">
+            <a:avLst/>
+          </a:prstGeom>
+          <a:noFill/>
+          <a:ln cmpd="sng">
+            <a:solidFill>
+              <a:schemeClr val="tx1"/>
+            </a:solidFill>
+          </a:ln>
+        </p:spPr>
+        <p:txBody>
+          <a:bodyPr wrap="square" rtlCol="1">
+            <a:spAutoFit/>
+          </a:bodyPr>
+          <a:lstStyle/>
+          <a:p>
+            <a:pPr algn="l"/>
+            <a:r>
+              <a:rPr lang="en-US" sz="1600" u="sng" dirty="0" smtClean="0"/>
+              <a:t>Mapper</a:t>
+            </a:r>
+          </a:p>
+          <a:p>
+            <a:pPr algn="l"/>
+            <a:r>
+              <a:rPr lang="en-US" sz="1600" dirty="0" smtClean="0"/>
+              <a:t>Input: &lt;LongWritable,Text&gt;</a:t>
+            </a:r>
+          </a:p>
+          <a:p>
+            <a:pPr algn="l"/>
+            <a:r>
+              <a:rPr lang="en-US" sz="1600" dirty="0" smtClean="0"/>
+              <a:t>Output: &lt;Bigram,Text&gt;</a:t>
+            </a:r>
+            <a:endParaRPr lang="en-US" sz="1600" dirty="0" smtClean="0"/>
+          </a:p>
+        </p:txBody>
+      </p:sp>
+      <p:sp>
+        <p:nvSpPr>
+          <p:cNvPr id="6" name="TextBox 5"/>
+          <p:cNvSpPr txBox="1"/>
+          <p:nvPr/>
+        </p:nvSpPr>
+        <p:spPr>
+          <a:xfrm>
+            <a:off x="6191672" y="404664"/>
+            <a:ext cx="2052736" cy="830997"/>
+          </a:xfrm>
+          <a:prstGeom prst="rect">
+            <a:avLst/>
+          </a:prstGeom>
+          <a:noFill/>
+          <a:ln cmpd="sng">
+            <a:solidFill>
+              <a:schemeClr val="tx1"/>
+            </a:solidFill>
+          </a:ln>
+        </p:spPr>
+        <p:txBody>
+          <a:bodyPr wrap="square" rtlCol="1">
+            <a:spAutoFit/>
+          </a:bodyPr>
+          <a:lstStyle/>
+          <a:p>
+            <a:pPr algn="l"/>
+            <a:r>
+              <a:rPr lang="en-US" sz="1600" u="sng" dirty="0" smtClean="0"/>
+              <a:t>Reducer</a:t>
+            </a:r>
+          </a:p>
+          <a:p>
+            <a:pPr algn="l"/>
+            <a:r>
+              <a:rPr lang="en-US" sz="1600" dirty="0" smtClean="0"/>
+              <a:t>Input: &lt;Bigram,Text&gt;</a:t>
+            </a:r>
+          </a:p>
+          <a:p>
+            <a:pPr algn="l"/>
+            <a:r>
+              <a:rPr lang="en-US" sz="1600" dirty="0" smtClean="0"/>
+              <a:t>Output: &lt;Bigram,Text&gt;</a:t>
+            </a:r>
+            <a:endParaRPr lang="en-US" sz="1600" dirty="0" smtClean="0"/>
+          </a:p>
+        </p:txBody>
+      </p:sp>
+      <p:cxnSp>
+        <p:nvCxnSpPr>
+          <p:cNvPr id="7" name="Straight Arrow Connector 6"/>
+          <p:cNvCxnSpPr/>
+          <p:nvPr/>
+        </p:nvCxnSpPr>
+        <p:spPr>
+          <a:xfrm flipH="1" flipV="1">
+            <a:off x="8100392" y="1268760"/>
+            <a:ext cx="72008" cy="288032"/>
+          </a:xfrm>
+          <a:prstGeom prst="straightConnector1">
+            <a:avLst/>
+          </a:prstGeom>
+          <a:ln>
+            <a:tailEnd type="arrow"/>
+          </a:ln>
+        </p:spPr>
+        <p:style>
+          <a:lnRef idx="1">
+            <a:schemeClr val="accent1"/>
+          </a:lnRef>
+          <a:fillRef idx="0">
+            <a:schemeClr val="accent1"/>
+          </a:fillRef>
+          <a:effectRef idx="0">
+            <a:schemeClr val="accent1"/>
+          </a:effectRef>
+          <a:fontRef idx="minor">
+            <a:schemeClr val="tx1"/>
+          </a:fontRef>
+        </p:style>
+      </p:cxnSp>
+      <p:sp>
+        <p:nvSpPr>
+          <p:cNvPr id="8" name="TextBox 7"/>
+          <p:cNvSpPr txBox="1"/>
+          <p:nvPr/>
+        </p:nvSpPr>
+        <p:spPr>
+          <a:xfrm>
+            <a:off x="7020272" y="1556792"/>
+            <a:ext cx="1656184" cy="261610"/>
+          </a:xfrm>
+          <a:prstGeom prst="rect">
+            <a:avLst/>
+          </a:prstGeom>
+          <a:noFill/>
+          <a:ln cmpd="sng">
+            <a:solidFill>
+              <a:schemeClr val="tx1"/>
+            </a:solidFill>
+          </a:ln>
+        </p:spPr>
+        <p:txBody>
+          <a:bodyPr wrap="square" rtlCol="1">
+            <a:spAutoFit/>
+          </a:bodyPr>
+          <a:lstStyle/>
+          <a:p>
+            <a:pPr algn="ctr"/>
+            <a:r>
+              <a:rPr lang="en-US" sz="1100" dirty="0" smtClean="0"/>
+              <a:t>C(w1,w2), C(w1), C(w2)</a:t>
+            </a:r>
+            <a:endParaRPr lang="he-IL" sz="1100" dirty="0"/>
+          </a:p>
+        </p:txBody>
+      </p:sp>
     </p:spTree>
   </p:cSld>
   <p:clrMapOvr>
     <a:masterClrMapping/>
   </p:clrMapOvr>
+  <p:timing>
+    <p:tnLst>
+      <p:par>
+        <p:cTn id="1" dur="indefinite" restart="never" nodeType="tmRoot"/>
+      </p:par>
+    </p:tnLst>
+  </p:timing>
 </p:sld>
 </file>
 
@@ -4555,22 +5326,32 @@
           </a:xfrm>
         </p:spPr>
         <p:txBody>
-          <a:bodyPr/>
+          <a:bodyPr>
+            <a:normAutofit/>
+          </a:bodyPr>
           <a:lstStyle/>
           <a:p>
             <a:r>
-              <a:rPr lang="en-US" u="sng" dirty="0" smtClean="0"/>
+              <a:rPr lang="en-US" sz="3600" dirty="0" smtClean="0"/>
+              <a:t>                     </a:t>
+            </a:r>
+            <a:r>
+              <a:rPr lang="en-US" sz="3600" u="sng" dirty="0" smtClean="0"/>
               <a:t>4</a:t>
             </a:r>
             <a:r>
-              <a:rPr lang="en-US" u="sng" baseline="30000" dirty="0" smtClean="0"/>
+              <a:rPr lang="en-US" sz="3600" u="sng" baseline="30000" dirty="0" smtClean="0"/>
               <a:t>th</a:t>
             </a:r>
             <a:r>
-              <a:rPr lang="en-US" u="sng" dirty="0" smtClean="0"/>
-              <a:t> Map Reduce</a:t>
-            </a:r>
-            <a:endParaRPr lang="he-IL" u="sng" dirty="0"/>
+              <a:rPr lang="en-US" sz="3600" u="sng" dirty="0" smtClean="0"/>
+              <a:t> </a:t>
+            </a:r>
+            <a:r>
+              <a:rPr lang="en-US" sz="3600" u="sng" dirty="0" smtClean="0"/>
+              <a:t>Map Reduce</a:t>
+            </a:r>
+            <a:endParaRPr lang="he-IL" sz="3600" u="sng" dirty="0"/>
           </a:p>
         </p:txBody>
       </p:sp>
@@ -4583,7 +5364,7 @@
         <p:spPr>
           <a:xfrm>
             <a:off x="683568" y="1484785"/>
-            <a:ext cx="7776864" cy="5139869"/>
+            <a:ext cx="7776864" cy="5447645"/>
           </a:xfrm>
           <a:prstGeom prst="rect">
             <a:avLst/>
@@ -4655,7 +5436,23 @@
             </a:pPr>
             <a:r>
               <a:rPr lang="en-US" dirty="0" smtClean="0"/>
-              <a:t>the original one AND with * as first and second!</a:t>
+              <a:t>the original one </a:t>
+            </a:r>
+            <a:r>
+              <a:rPr lang="en-US" dirty="0" smtClean="0"/>
+              <a:t>+ </a:t>
+            </a:r>
+            <a:r>
+              <a:rPr lang="en-US" dirty="0" smtClean="0"/>
+              <a:t>with * </a:t>
+            </a:r>
+            <a:r>
+              <a:rPr lang="en-US" b="1" u="sng" dirty="0" smtClean="0"/>
+              <a:t>as first and second</a:t>
+            </a:r>
+            <a:r>
+              <a:rPr lang="en-US" dirty="0" smtClean="0"/>
+              <a:t>!</a:t>
             </a:r>
           </a:p>
           <a:p>
@@ -4679,7 +5476,11 @@
             <a:pPr algn="l"/>
             <a:r>
               <a:rPr lang="en-US" dirty="0" smtClean="0"/>
-              <a:t>&lt;dog barked 196, 10&gt;</a:t>
+              <a:t>&lt;cat </a:t>
+            </a:r>
+            <a:r>
+              <a:rPr lang="en-US" dirty="0" smtClean="0"/>
+              <a:t>barked 196, 10&gt;</a:t>
             </a:r>
             <a:endParaRPr lang="he-IL" dirty="0" smtClean="0"/>
           </a:p>
@@ -4689,7 +5490,11 @@
             </a:pPr>
             <a:r>
               <a:rPr lang="en-US" dirty="0" smtClean="0"/>
-              <a:t>&lt;cat  barked 196, 10&gt;</a:t>
+              <a:t>&lt;dog  </a:t>
+            </a:r>
+            <a:r>
+              <a:rPr lang="en-US" dirty="0" smtClean="0"/>
+              <a:t>barked 196, 10&gt;</a:t>
             </a:r>
           </a:p>
           <a:p>
@@ -4700,7 +5505,15 @@
             <a:pPr algn="l"/>
             <a:r>
               <a:rPr lang="en-US" sz="2000" i="1" dirty="0" smtClean="0"/>
-              <a:t>So, the reducer can calculate N and just “put” it in dog barked and cat barked, very easily… </a:t>
+              <a:t>So, the reducer can calculate N and </a:t>
+            </a:r>
+            <a:r>
+              <a:rPr lang="en-US" sz="2000" i="1" dirty="0" smtClean="0"/>
+              <a:t>just “paste” it in the bigrams to come afterwards, very easily…</a:t>
+            </a:r>
+            <a:r>
+              <a:rPr lang="en-US" sz="1400" i="1" dirty="0" smtClean="0"/>
+              <a:t> </a:t>
             </a:r>
           </a:p>
           <a:p>
@@ -4711,12 +5524,19 @@
             <a:pPr algn="l"/>
             <a:r>
               <a:rPr lang="en-US" sz="2000" i="1" dirty="0" smtClean="0"/>
-              <a:t>But wait! Now we can calculate the whole NPMI! Let’s go!</a:t>
-            </a:r>
-            <a:r>
-              <a:rPr lang="en-US" sz="1400" i="1" dirty="0" smtClean="0"/>
-              <a:t> </a:t>
-            </a:r>
+              <a:t>But wait! Now we can calculate the whole NPMI! </a:t>
+            </a:r>
+            <a:r>
+              <a:rPr lang="en-US" sz="2000" i="1" dirty="0" smtClean="0"/>
+              <a:t>We do that in the same Reducer! Nailed it! </a:t>
+            </a:r>
+            <a:r>
+              <a:rPr lang="en-US" sz="2000" i="1" dirty="0" smtClean="0">
+                <a:sym typeface="Wingdings" pitchFamily="2" charset="2"/>
+              </a:rPr>
+              <a:t></a:t>
+            </a:r>
+            <a:endParaRPr lang="en-US" sz="1400" i="1" dirty="0" smtClean="0"/>
           </a:p>
           <a:p>
             <a:pPr algn="l"/>
@@ -4744,8 +5564,8 @@
         </p:blipFill>
         <p:spPr bwMode="auto">
           <a:xfrm>
-            <a:off x="5444404" y="620688"/>
-            <a:ext cx="3699596" cy="4169884"/>
+            <a:off x="5508104" y="1844824"/>
+            <a:ext cx="3284164" cy="3249780"/>
           </a:xfrm>
           <a:prstGeom prst="rect">
             <a:avLst/>
@@ -4753,11 +5573,187 @@
           <a:noFill/>
         </p:spPr>
       </p:pic>
+      <p:sp>
+        <p:nvSpPr>
+          <p:cNvPr id="5" name="TextBox 4"/>
+          <p:cNvSpPr txBox="1"/>
+          <p:nvPr/>
+        </p:nvSpPr>
+        <p:spPr>
+          <a:xfrm>
+            <a:off x="179512" y="332656"/>
+            <a:ext cx="2520280" cy="830997"/>
+          </a:xfrm>
+          <a:prstGeom prst="rect">
+            <a:avLst/>
+          </a:prstGeom>
+          <a:noFill/>
+          <a:ln cmpd="sng">
+            <a:solidFill>
+              <a:schemeClr val="tx1"/>
+            </a:solidFill>
+          </a:ln>
+        </p:spPr>
+        <p:txBody>
+          <a:bodyPr wrap="square" rtlCol="1">
+            <a:spAutoFit/>
+          </a:bodyPr>
+          <a:lstStyle/>
+          <a:p>
+            <a:pPr algn="l"/>
+            <a:r>
+              <a:rPr lang="en-US" sz="1600" u="sng" dirty="0" smtClean="0"/>
+              <a:t>Mapper</a:t>
+            </a:r>
+          </a:p>
+          <a:p>
+            <a:pPr algn="l"/>
+            <a:r>
+              <a:rPr lang="en-US" sz="1600" dirty="0" smtClean="0"/>
+              <a:t>Input: &lt;LongWritable,Text&gt;</a:t>
+            </a:r>
+          </a:p>
+          <a:p>
+            <a:pPr algn="l"/>
+            <a:r>
+              <a:rPr lang="en-US" sz="1600" dirty="0" smtClean="0"/>
+              <a:t>Output: &lt;Bigram,Text&gt;</a:t>
+            </a:r>
+            <a:endParaRPr lang="en-US" sz="1600" dirty="0" smtClean="0"/>
+          </a:p>
+        </p:txBody>
+      </p:sp>
+      <p:sp>
+        <p:nvSpPr>
+          <p:cNvPr id="6" name="TextBox 5"/>
+          <p:cNvSpPr txBox="1"/>
+          <p:nvPr/>
+        </p:nvSpPr>
+        <p:spPr>
+          <a:xfrm>
+            <a:off x="6191672" y="404664"/>
+            <a:ext cx="2124744" cy="830997"/>
+          </a:xfrm>
+          <a:prstGeom prst="rect">
+            <a:avLst/>
+          </a:prstGeom>
+          <a:noFill/>
+          <a:ln cmpd="sng">
+            <a:solidFill>
+              <a:schemeClr val="tx1"/>
+            </a:solidFill>
+          </a:ln>
+        </p:spPr>
+        <p:txBody>
+          <a:bodyPr wrap="square" rtlCol="1">
+            <a:spAutoFit/>
+          </a:bodyPr>
+          <a:lstStyle/>
+          <a:p>
+            <a:pPr algn="l"/>
+            <a:r>
+              <a:rPr lang="en-US" sz="1600" u="sng" dirty="0" smtClean="0"/>
+              <a:t>Reducer</a:t>
+            </a:r>
+          </a:p>
+          <a:p>
+            <a:pPr algn="l"/>
+            <a:r>
+              <a:rPr lang="en-US" sz="1600" dirty="0" smtClean="0"/>
+              <a:t>Input: &lt;Bigram,Text&gt;</a:t>
+            </a:r>
+          </a:p>
+          <a:p>
+            <a:pPr algn="l"/>
+            <a:r>
+              <a:rPr lang="en-US" sz="1600" dirty="0" smtClean="0"/>
+              <a:t>Output: &lt;Bigram,Text&gt;</a:t>
+            </a:r>
+            <a:endParaRPr lang="en-US" sz="1600" dirty="0" smtClean="0"/>
+          </a:p>
+        </p:txBody>
+      </p:sp>
+      <p:cxnSp>
+        <p:nvCxnSpPr>
+          <p:cNvPr id="7" name="Straight Arrow Connector 6"/>
+          <p:cNvCxnSpPr/>
+          <p:nvPr/>
+        </p:nvCxnSpPr>
+        <p:spPr>
+          <a:xfrm flipH="1" flipV="1">
+            <a:off x="8100392" y="1268760"/>
+            <a:ext cx="72008" cy="288032"/>
+          </a:xfrm>
+          <a:prstGeom prst="straightConnector1">
+            <a:avLst/>
+          </a:prstGeom>
+          <a:ln>
+            <a:tailEnd type="arrow"/>
+          </a:ln>
+        </p:spPr>
+        <p:style>
+          <a:lnRef idx="1">
+            <a:schemeClr val="accent1"/>
+          </a:lnRef>
+          <a:fillRef idx="0">
+            <a:schemeClr val="accent1"/>
+          </a:fillRef>
+          <a:effectRef idx="0">
+            <a:schemeClr val="accent1"/>
+          </a:effectRef>
+          <a:fontRef idx="minor">
+            <a:schemeClr val="tx1"/>
+          </a:fontRef>
+        </p:style>
+      </p:cxnSp>
+      <p:sp>
+        <p:nvSpPr>
+          <p:cNvPr id="8" name="TextBox 7"/>
+          <p:cNvSpPr txBox="1"/>
+          <p:nvPr/>
+        </p:nvSpPr>
+        <p:spPr>
+          <a:xfrm>
+            <a:off x="6804248" y="1556792"/>
+            <a:ext cx="1872208" cy="261610"/>
+          </a:xfrm>
+          <a:prstGeom prst="rect">
+            <a:avLst/>
+          </a:prstGeom>
+          <a:noFill/>
+          <a:ln cmpd="sng">
+            <a:solidFill>
+              <a:schemeClr val="tx1"/>
+            </a:solidFill>
+          </a:ln>
+        </p:spPr>
+        <p:txBody>
+          <a:bodyPr wrap="square" rtlCol="1">
+            <a:spAutoFit/>
+          </a:bodyPr>
+          <a:lstStyle/>
+          <a:p>
+            <a:pPr algn="ctr"/>
+            <a:r>
+              <a:rPr lang="en-US" sz="1100" dirty="0" smtClean="0"/>
+              <a:t>C(w1,w2), C(w1), C(w2), N</a:t>
+            </a:r>
+            <a:endParaRPr lang="he-IL" sz="1100" dirty="0"/>
+          </a:p>
+        </p:txBody>
+      </p:sp>
     </p:spTree>
   </p:cSld>
   <p:clrMapOvr>
     <a:masterClrMapping/>
   </p:clrMapOvr>
+  <p:timing>
+    <p:tnLst>
+      <p:par>
+        <p:cTn id="1" dur="indefinite" restart="never" nodeType="tmRoot"/>
+      </p:par>
+    </p:tnLst>
+  </p:timing>
 </p:sld>
 </file>
 
@@ -4790,22 +5786,24 @@
         </p:nvSpPr>
         <p:spPr/>
         <p:txBody>
-          <a:bodyPr/>
+          <a:bodyPr>
+            <a:normAutofit/>
+          </a:bodyPr>
           <a:lstStyle/>
           <a:p>
             <a:r>
-              <a:rPr lang="en-US" u="sng" dirty="0" smtClean="0"/>
+              <a:rPr lang="en-US" sz="3600" u="sng" dirty="0" smtClean="0"/>
               <a:t>5</a:t>
             </a:r>
             <a:r>
-              <a:rPr lang="en-US" u="sng" baseline="30000" dirty="0" smtClean="0"/>
+              <a:rPr lang="en-US" sz="3600" u="sng" baseline="30000" dirty="0" smtClean="0"/>
               <a:t>th</a:t>
             </a:r>
             <a:r>
-              <a:rPr lang="en-US" u="sng" dirty="0" smtClean="0"/>
+              <a:rPr lang="en-US" sz="3600" u="sng" dirty="0" smtClean="0"/>
               <a:t> Map Reduce</a:t>
             </a:r>
-            <a:endParaRPr lang="he-IL" u="sng" dirty="0"/>
+            <a:endParaRPr lang="he-IL" sz="3600" u="sng" dirty="0"/>
           </a:p>
         </p:txBody>
       </p:sp>
@@ -4818,7 +5816,7 @@
         <p:spPr>
           <a:xfrm>
             <a:off x="611560" y="1340768"/>
-            <a:ext cx="7920880" cy="5509200"/>
+            <a:ext cx="7920880" cy="6863417"/>
           </a:xfrm>
           <a:prstGeom prst="rect">
             <a:avLst/>
@@ -4835,8 +5833,13 @@
             </a:pPr>
             <a:r>
               <a:rPr lang="en-US" dirty="0" smtClean="0"/>
-              <a:t>Now, we have all NPMI’s – we can calculate the relative NPMI!</a:t>
-            </a:r>
+              <a:t>Now, we have all NPMI’s – we can calculate the relative </a:t>
+            </a:r>
+            <a:r>
+              <a:rPr lang="en-US" dirty="0" smtClean="0"/>
+              <a:t>NPMI for each bigram!</a:t>
+            </a:r>
+            <a:endParaRPr lang="en-US" dirty="0" smtClean="0"/>
           </a:p>
           <a:p>
             <a:pPr algn="l">
@@ -4844,8 +5847,13 @@
             </a:pPr>
             <a:r>
               <a:rPr lang="en-US" dirty="0" smtClean="0"/>
-              <a:t>We sum up all NPMI’s from the same decade, like we did at the </a:t>
-            </a:r>
+              <a:t>We sum up all NPMI’s from the same decade, </a:t>
+            </a:r>
+            <a:r>
+              <a:rPr lang="en-US" dirty="0" smtClean="0"/>
+              <a:t>In the same technique we used in</a:t>
+            </a:r>
+            <a:endParaRPr lang="en-US" dirty="0" smtClean="0"/>
           </a:p>
           <a:p>
             <a:pPr algn="l">
@@ -4853,7 +5861,11 @@
             </a:pPr>
             <a:r>
               <a:rPr lang="en-US" dirty="0" smtClean="0"/>
-              <a:t>Former map reduces.</a:t>
+              <a:t>former </a:t>
+            </a:r>
+            <a:r>
+              <a:rPr lang="en-US" dirty="0" smtClean="0"/>
+              <a:t>map reduces.</a:t>
             </a:r>
             <a:endParaRPr lang="en-US" dirty="0"/>
           </a:p>
@@ -4900,11 +5912,15 @@
               <a:t>Are sent twice – the original one + </a:t>
             </a:r>
             <a:r>
+              <a:rPr lang="en-US" dirty="0" smtClean="0"/>
+              <a:t>with * </a:t>
+            </a:r>
+            <a:r>
               <a:rPr lang="en-US" b="1" u="sng" dirty="0" smtClean="0"/>
-              <a:t>a * instead of the second word</a:t>
-            </a:r>
-            <a:r>
-              <a:rPr lang="en-US" i="1" dirty="0" smtClean="0"/>
+              <a:t>as first and second</a:t>
+            </a:r>
+            <a:r>
+              <a:rPr lang="en-US" dirty="0" smtClean="0"/>
               <a:t>!</a:t>
             </a:r>
             <a:endParaRPr lang="en-US" dirty="0" smtClean="0"/>
@@ -4923,14 +5939,26 @@
             <a:pPr algn="l"/>
             <a:r>
               <a:rPr lang="en-US" dirty="0" smtClean="0"/>
-              <a:t>&lt;*     *       196, 0.53 + 0.84&gt; </a:t>
+              <a:t>&lt;  *         *      196</a:t>
+            </a:r>
+            <a:r>
+              <a:rPr lang="en-US" dirty="0" smtClean="0"/>
+              <a:t>, 0.53 + 0.84&gt; </a:t>
             </a:r>
           </a:p>
           <a:p>
             <a:pPr algn="l"/>
             <a:r>
               <a:rPr lang="en-US" dirty="0" smtClean="0"/>
-              <a:t>&lt;dog barked 196, 0.53&gt;</a:t>
+              <a:t>&lt;dog </a:t>
+            </a:r>
+            <a:r>
+              <a:rPr lang="en-US" dirty="0" smtClean="0"/>
+              <a:t>  ate      196</a:t>
+            </a:r>
+            <a:r>
+              <a:rPr lang="en-US" dirty="0" smtClean="0"/>
+              <a:t>, 0.53&gt;</a:t>
             </a:r>
             <a:endParaRPr lang="he-IL" dirty="0" smtClean="0"/>
           </a:p>
@@ -4940,7 +5968,15 @@
             </a:pPr>
             <a:r>
               <a:rPr lang="en-US" dirty="0" smtClean="0"/>
-              <a:t>&lt;dog ate 196, 0.84 &gt;</a:t>
+              <a:t>&lt;dog </a:t>
+            </a:r>
+            <a:r>
+              <a:rPr lang="en-US" dirty="0" smtClean="0"/>
+              <a:t>barked </a:t>
+            </a:r>
+            <a:r>
+              <a:rPr lang="en-US" dirty="0" smtClean="0"/>
+              <a:t>196, 0.84 &gt;</a:t>
             </a:r>
           </a:p>
           <a:p>
@@ -4993,21 +6029,129 @@
           <a:p>
             <a:pPr algn="l"/>
             <a:r>
+              <a:rPr lang="en-US" i="1" dirty="0" smtClean="0"/>
+              <a:t>So, the reducer can calculate </a:t>
+            </a:r>
+            <a:r>
+              <a:rPr lang="en-US" b="1" dirty="0" err="1" smtClean="0"/>
+              <a:t>sumOfAllNormalizedPMI</a:t>
+            </a:r>
+            <a:r>
+              <a:rPr lang="en-US" i="1" dirty="0" smtClean="0"/>
+              <a:t>, calculate the relative </a:t>
+            </a:r>
+            <a:r>
+              <a:rPr lang="en-US" i="1" dirty="0" err="1" smtClean="0"/>
+              <a:t>npmi</a:t>
+            </a:r>
+            <a:r>
+              <a:rPr lang="en-US" i="1" dirty="0" smtClean="0"/>
+              <a:t>, check if the bigram is a collocation by the following conditions:</a:t>
+            </a:r>
+          </a:p>
+          <a:p>
+            <a:pPr algn="l"/>
+            <a:r>
+              <a:rPr lang="en-US" sz="3200" dirty="0" smtClean="0">
+                <a:solidFill>
+                  <a:schemeClr val="tx2"/>
+                </a:solidFill>
+              </a:rPr>
+              <a:t>(</a:t>
+            </a:r>
+            <a:r>
+              <a:rPr lang="en-US" sz="3200" dirty="0" err="1" smtClean="0">
+                <a:solidFill>
+                  <a:schemeClr val="tx2"/>
+                </a:solidFill>
+              </a:rPr>
+              <a:t>npmi</a:t>
+            </a:r>
+            <a:r>
+              <a:rPr lang="en-US" sz="3200" dirty="0" smtClean="0">
+                <a:solidFill>
+                  <a:schemeClr val="tx2"/>
+                </a:solidFill>
+              </a:rPr>
+              <a:t> </a:t>
+            </a:r>
+            <a:r>
+              <a:rPr lang="en-US" sz="3200" dirty="0" smtClean="0">
+                <a:solidFill>
+                  <a:schemeClr val="tx2"/>
+                </a:solidFill>
+              </a:rPr>
+              <a:t>&gt;= </a:t>
+            </a:r>
+            <a:r>
+              <a:rPr lang="en-US" sz="3200" dirty="0" err="1" smtClean="0">
+                <a:solidFill>
+                  <a:schemeClr val="tx2"/>
+                </a:solidFill>
+              </a:rPr>
+              <a:t>minPmi</a:t>
+            </a:r>
+            <a:r>
+              <a:rPr lang="en-US" sz="3200" dirty="0" smtClean="0">
+                <a:solidFill>
+                  <a:schemeClr val="tx2"/>
+                </a:solidFill>
+              </a:rPr>
+              <a:t> || </a:t>
+            </a:r>
+            <a:r>
+              <a:rPr lang="en-US" sz="3200" dirty="0" err="1" smtClean="0">
+                <a:solidFill>
+                  <a:schemeClr val="tx2"/>
+                </a:solidFill>
+              </a:rPr>
+              <a:t>relativePMI</a:t>
+            </a:r>
+            <a:r>
+              <a:rPr lang="en-US" sz="3200" dirty="0" smtClean="0">
+                <a:solidFill>
+                  <a:schemeClr val="tx2"/>
+                </a:solidFill>
+              </a:rPr>
+              <a:t> &gt;= </a:t>
+            </a:r>
+            <a:r>
+              <a:rPr lang="en-US" sz="3200" dirty="0" err="1" smtClean="0">
+                <a:solidFill>
+                  <a:schemeClr val="tx2"/>
+                </a:solidFill>
+              </a:rPr>
+              <a:t>relMinPmi</a:t>
+            </a:r>
+            <a:r>
+              <a:rPr lang="en-US" sz="3200" dirty="0" smtClean="0">
+                <a:solidFill>
+                  <a:schemeClr val="tx2"/>
+                </a:solidFill>
+              </a:rPr>
+              <a:t>)</a:t>
+            </a:r>
+            <a:r>
+              <a:rPr lang="en-US" sz="2000" dirty="0" smtClean="0"/>
+              <a:t>		</a:t>
+            </a:r>
+            <a:endParaRPr lang="en-US" sz="2000" i="1" dirty="0" smtClean="0"/>
+          </a:p>
+          <a:p>
+            <a:pPr algn="l"/>
+            <a:endParaRPr lang="en-US" sz="2000" i="1" dirty="0" smtClean="0"/>
+          </a:p>
+          <a:p>
+            <a:pPr algn="l"/>
+            <a:r>
               <a:rPr lang="en-US" sz="2000" i="1" dirty="0" smtClean="0"/>
-              <a:t>So, the reducer can calculate </a:t>
-            </a:r>
-            <a:r>
-              <a:rPr lang="en-US" sz="2000" b="1" dirty="0" err="1"/>
-              <a:t>sumOfAllNormalizedPMI</a:t>
-            </a:r>
-            <a:r>
-              <a:rPr lang="en-US" sz="2000" i="1" dirty="0" smtClean="0"/>
-              <a:t> and just “put” it in dog barked and dog ate, very easily…</a:t>
+              <a:t> </a:t>
             </a:r>
             <a:r>
               <a:rPr lang="en-US" sz="1400" i="1" dirty="0" smtClean="0"/>
               <a:t> </a:t>
             </a:r>
+            <a:endParaRPr lang="en-US" sz="1400" i="1" dirty="0" smtClean="0"/>
           </a:p>
           <a:p>
             <a:pPr algn="l"/>
@@ -5019,6 +6163,7 @@
               <a:rPr lang="en-US" dirty="0" smtClean="0"/>
               <a:t> </a:t>
             </a:r>
+            <a:endParaRPr lang="en-US" dirty="0" smtClean="0"/>
           </a:p>
           <a:p>
             <a:pPr algn="l">
@@ -5048,8 +6193,8 @@
         </p:blipFill>
         <p:spPr bwMode="auto">
           <a:xfrm>
-            <a:off x="6798714" y="0"/>
-            <a:ext cx="2345286" cy="3054736"/>
+            <a:off x="7020272" y="2132856"/>
+            <a:ext cx="1975194" cy="2572692"/>
           </a:xfrm>
           <a:prstGeom prst="rect">
             <a:avLst/>
@@ -5057,11 +6202,134 @@
           <a:noFill/>
         </p:spPr>
       </p:pic>
+      <p:sp>
+        <p:nvSpPr>
+          <p:cNvPr id="5" name="TextBox 4"/>
+          <p:cNvSpPr txBox="1"/>
+          <p:nvPr/>
+        </p:nvSpPr>
+        <p:spPr>
+          <a:xfrm>
+            <a:off x="107504" y="332656"/>
+            <a:ext cx="2952328" cy="830997"/>
+          </a:xfrm>
+          <a:prstGeom prst="rect">
+            <a:avLst/>
+          </a:prstGeom>
+          <a:noFill/>
+          <a:ln w="0" cmpd="sng">
+            <a:solidFill>
+              <a:schemeClr val="tx1"/>
+            </a:solidFill>
+          </a:ln>
+        </p:spPr>
+        <p:txBody>
+          <a:bodyPr wrap="square" rtlCol="1">
+            <a:spAutoFit/>
+          </a:bodyPr>
+          <a:lstStyle/>
+          <a:p>
+            <a:pPr algn="l"/>
+            <a:r>
+              <a:rPr lang="en-US" sz="1600" u="sng" dirty="0" smtClean="0"/>
+              <a:t>Mapper</a:t>
+            </a:r>
+          </a:p>
+          <a:p>
+            <a:pPr algn="l"/>
+            <a:r>
+              <a:rPr lang="en-US" sz="1600" dirty="0" smtClean="0"/>
+              <a:t>Input: &lt;LongWritable,Text&gt;</a:t>
+            </a:r>
+          </a:p>
+          <a:p>
+            <a:pPr algn="l"/>
+            <a:r>
+              <a:rPr lang="en-US" sz="1600" dirty="0" smtClean="0"/>
+              <a:t>Output: &lt;CalculatedBigram,Text&gt;</a:t>
+            </a:r>
+            <a:endParaRPr lang="en-US" sz="1600" dirty="0" smtClean="0"/>
+          </a:p>
+        </p:txBody>
+      </p:sp>
+      <p:sp>
+        <p:nvSpPr>
+          <p:cNvPr id="6" name="TextBox 5"/>
+          <p:cNvSpPr txBox="1"/>
+          <p:nvPr/>
+        </p:nvSpPr>
+        <p:spPr>
+          <a:xfrm>
+            <a:off x="6084168" y="404664"/>
+            <a:ext cx="2952328" cy="830997"/>
+          </a:xfrm>
+          <a:prstGeom prst="rect">
+            <a:avLst/>
+          </a:prstGeom>
+          <a:noFill/>
+          <a:ln cmpd="dbl">
+            <a:solidFill>
+              <a:schemeClr val="tx1"/>
+            </a:solidFill>
+          </a:ln>
+        </p:spPr>
+        <p:txBody>
+          <a:bodyPr wrap="square" rtlCol="1">
+            <a:spAutoFit/>
+          </a:bodyPr>
+          <a:lstStyle/>
+          <a:p>
+            <a:pPr algn="l"/>
+            <a:r>
+              <a:rPr lang="en-US" sz="1600" u="sng" dirty="0" smtClean="0"/>
+              <a:t>Reducer</a:t>
+            </a:r>
+          </a:p>
+          <a:p>
+            <a:pPr algn="l"/>
+            <a:r>
+              <a:rPr lang="en-US" sz="1600" dirty="0" smtClean="0"/>
+              <a:t>Input: &lt;</a:t>
+            </a:r>
+            <a:r>
+              <a:rPr lang="en-US" sz="1600" dirty="0" smtClean="0"/>
+              <a:t>CalculatedBigram</a:t>
+            </a:r>
+            <a:r>
+              <a:rPr lang="en-US" sz="1600" dirty="0" smtClean="0"/>
+              <a:t>,Text&gt;</a:t>
+            </a:r>
+          </a:p>
+          <a:p>
+            <a:pPr algn="l"/>
+            <a:r>
+              <a:rPr lang="en-US" sz="1600" dirty="0" smtClean="0"/>
+              <a:t>Output: &lt;</a:t>
+            </a:r>
+            <a:r>
+              <a:rPr lang="en-US" sz="1600" dirty="0" smtClean="0"/>
+              <a:t>CalculatedBigram</a:t>
+            </a:r>
+            <a:r>
+              <a:rPr lang="en-US" sz="1600" dirty="0" smtClean="0"/>
+              <a:t>,Text&gt;</a:t>
+            </a:r>
+            <a:endParaRPr lang="en-US" sz="1600" dirty="0" smtClean="0"/>
+          </a:p>
+        </p:txBody>
+      </p:sp>
     </p:spTree>
   </p:cSld>
   <p:clrMapOvr>
     <a:masterClrMapping/>
   </p:clrMapOvr>
+  <p:timing>
+    <p:tnLst>
+      <p:par>
+        <p:cTn id="1" dur="indefinite" restart="never" nodeType="tmRoot"/>
+      </p:par>
+    </p:tnLst>
+  </p:timing>
 </p:sld>
 </file>
 
@@ -5094,14 +6362,16 @@
         </p:nvSpPr>
         <p:spPr/>
         <p:txBody>
-          <a:bodyPr/>
+          <a:bodyPr>
+            <a:normAutofit/>
+          </a:bodyPr>
           <a:lstStyle/>
           <a:p>
             <a:r>
-              <a:rPr lang="en-US" u="sng" dirty="0" smtClean="0"/>
+              <a:rPr lang="en-US" sz="3600" u="sng" dirty="0" smtClean="0"/>
               <a:t>Good &amp; Bad Examples</a:t>
             </a:r>
-            <a:endParaRPr lang="he-IL" u="sng" dirty="0"/>
+            <a:endParaRPr lang="he-IL" sz="3600" u="sng" dirty="0"/>
           </a:p>
         </p:txBody>
       </p:sp>
@@ -5114,8 +6384,8 @@
           <p:nvPr/>
         </p:nvGraphicFramePr>
         <p:xfrm>
-          <a:off x="395536" y="1556792"/>
-          <a:ext cx="5411470" cy="1255524"/>
+          <a:off x="395536" y="1412776"/>
+          <a:ext cx="5411470" cy="1526230"/>
         </p:xfrm>
         <a:graphic>
           <a:graphicData uri="http://schemas.openxmlformats.org/drawingml/2006/table">
@@ -5126,7 +6396,7 @@
                 <a:gridCol w="1804035"/>
                 <a:gridCol w="1804035"/>
               </a:tblGrid>
-              <a:tr h="0">
+              <a:tr h="241328">
                 <a:tc>
                   <a:txBody>
                     <a:bodyPr/>
@@ -5192,6 +6462,12 @@
                       <a:headEnd type="none" w="med" len="med"/>
                       <a:tailEnd type="none" w="med" len="med"/>
                     </a:lnB>
+                    <a:solidFill>
+                      <a:schemeClr val="accent1">
+                        <a:lumMod val="20000"/>
+                        <a:lumOff val="80000"/>
+                      </a:schemeClr>
+                    </a:solidFill>
                   </a:tcPr>
                 </a:tc>
                 <a:tc>
@@ -5259,6 +6535,12 @@
                       <a:headEnd type="none" w="med" len="med"/>
                       <a:tailEnd type="none" w="med" len="med"/>
                     </a:lnB>
+                    <a:solidFill>
+                      <a:schemeClr val="accent1">
+                        <a:lumMod val="20000"/>
+                        <a:lumOff val="80000"/>
+                      </a:schemeClr>
+                    </a:solidFill>
                   </a:tcPr>
                 </a:tc>
                 <a:tc>
@@ -5326,10 +6608,16 @@
                       <a:headEnd type="none" w="med" len="med"/>
                       <a:tailEnd type="none" w="med" len="med"/>
                     </a:lnB>
+                    <a:solidFill>
+                      <a:schemeClr val="accent1">
+                        <a:lumMod val="20000"/>
+                        <a:lumOff val="80000"/>
+                      </a:schemeClr>
+                    </a:solidFill>
                   </a:tcPr>
                 </a:tc>
               </a:tr>
-              <a:tr h="0">
+              <a:tr h="237954">
                 <a:tc>
                   <a:txBody>
                     <a:bodyPr/>
@@ -5351,14 +6639,14 @@
                         </a:rPr>
                         <a:t>170</a:t>
                       </a:r>
-                      <a:endParaRPr lang="en-US" sz="1100">
+                      <a:endParaRPr lang="en-US" sz="1100" dirty="0">
                         <a:latin typeface="Calibri"/>
                         <a:ea typeface="Calibri"/>
                         <a:cs typeface="Gisha"/>
                       </a:endParaRPr>
                     </a:p>
                   </a:txBody>
-                  <a:tcPr marL="68580" marR="68580" marT="0" marB="0">
+                  <a:tcPr marL="68580" marR="68580" marT="0" marB="0" anchor="ctr">
                     <a:lnL w="12700" cap="flat" cmpd="sng" algn="ctr">
                       <a:solidFill>
                         <a:srgbClr val="000000"/>
@@ -5395,6 +6683,12 @@
                       <a:headEnd type="none" w="med" len="med"/>
                       <a:tailEnd type="none" w="med" len="med"/>
                     </a:lnB>
+                    <a:solidFill>
+                      <a:schemeClr val="accent1">
+                        <a:lumMod val="20000"/>
+                        <a:lumOff val="80000"/>
+                      </a:schemeClr>
+                    </a:solidFill>
                   </a:tcPr>
                 </a:tc>
                 <a:tc>
@@ -5425,7 +6719,7 @@
                       </a:endParaRPr>
                     </a:p>
                   </a:txBody>
-                  <a:tcPr marL="68580" marR="68580" marT="0" marB="0">
+                  <a:tcPr marL="68580" marR="68580" marT="0" marB="0" anchor="ctr">
                     <a:lnL w="12700" cap="flat" cmpd="sng" algn="ctr">
                       <a:solidFill>
                         <a:srgbClr val="000000"/>
@@ -5462,6 +6756,12 @@
                       <a:headEnd type="none" w="med" len="med"/>
                       <a:tailEnd type="none" w="med" len="med"/>
                     </a:lnB>
+                    <a:solidFill>
+                      <a:schemeClr val="accent1">
+                        <a:lumMod val="20000"/>
+                        <a:lumOff val="80000"/>
+                      </a:schemeClr>
+                    </a:solidFill>
                   </a:tcPr>
                 </a:tc>
                 <a:tc>
@@ -5492,7 +6792,7 @@
                       </a:endParaRPr>
                     </a:p>
                   </a:txBody>
-                  <a:tcPr marL="68580" marR="68580" marT="0" marB="0">
+                  <a:tcPr marL="68580" marR="68580" marT="0" marB="0" anchor="ctr">
                     <a:lnL w="12700" cap="flat" cmpd="sng" algn="ctr">
                       <a:solidFill>
                         <a:srgbClr val="000000"/>
@@ -5529,10 +6829,16 @@
                       <a:headEnd type="none" w="med" len="med"/>
                       <a:tailEnd type="none" w="med" len="med"/>
                     </a:lnB>
+                    <a:solidFill>
+                      <a:schemeClr val="accent1">
+                        <a:lumMod val="20000"/>
+                        <a:lumOff val="80000"/>
+                      </a:schemeClr>
+                    </a:solidFill>
                   </a:tcPr>
                 </a:tc>
               </a:tr>
-              <a:tr h="0">
+              <a:tr h="273876">
                 <a:tc>
                   <a:txBody>
                     <a:bodyPr/>
@@ -5561,7 +6867,7 @@
                       </a:endParaRPr>
                     </a:p>
                   </a:txBody>
-                  <a:tcPr marL="68580" marR="68580" marT="0" marB="0">
+                  <a:tcPr marL="68580" marR="68580" marT="0" marB="0" anchor="ctr">
                     <a:lnL w="12700" cap="flat" cmpd="sng" algn="ctr">
                       <a:solidFill>
                         <a:srgbClr val="000000"/>
@@ -5598,6 +6904,12 @@
                       <a:headEnd type="none" w="med" len="med"/>
                       <a:tailEnd type="none" w="med" len="med"/>
                     </a:lnB>
+                    <a:solidFill>
+                      <a:schemeClr val="accent1">
+                        <a:lumMod val="20000"/>
+                        <a:lumOff val="80000"/>
+                      </a:schemeClr>
+                    </a:solidFill>
                   </a:tcPr>
                 </a:tc>
                 <a:tc>
@@ -5628,7 +6940,7 @@
                       </a:endParaRPr>
                     </a:p>
                   </a:txBody>
-                  <a:tcPr marL="68580" marR="68580" marT="0" marB="0">
+                  <a:tcPr marL="68580" marR="68580" marT="0" marB="0" anchor="ctr">
                     <a:lnL w="12700" cap="flat" cmpd="sng" algn="ctr">
                       <a:solidFill>
                         <a:srgbClr val="000000"/>
@@ -5665,6 +6977,12 @@
                       <a:headEnd type="none" w="med" len="med"/>
                       <a:tailEnd type="none" w="med" len="med"/>
                     </a:lnB>
+                    <a:solidFill>
+                      <a:schemeClr val="accent1">
+                        <a:lumMod val="20000"/>
+                        <a:lumOff val="80000"/>
+                      </a:schemeClr>
+                    </a:solidFill>
                   </a:tcPr>
                 </a:tc>
                 <a:tc>
@@ -5695,7 +7013,7 @@
                       </a:endParaRPr>
                     </a:p>
                   </a:txBody>
-                  <a:tcPr marL="68580" marR="68580" marT="0" marB="0">
+                  <a:tcPr marL="68580" marR="68580" marT="0" marB="0" anchor="ctr">
                     <a:lnL w="12700" cap="flat" cmpd="sng" algn="ctr">
                       <a:solidFill>
                         <a:srgbClr val="000000"/>
@@ -5732,10 +7050,16 @@
                       <a:headEnd type="none" w="med" len="med"/>
                       <a:tailEnd type="none" w="med" len="med"/>
                     </a:lnB>
+                    <a:solidFill>
+                      <a:schemeClr val="accent1">
+                        <a:lumMod val="20000"/>
+                        <a:lumOff val="80000"/>
+                      </a:schemeClr>
+                    </a:solidFill>
                   </a:tcPr>
                 </a:tc>
               </a:tr>
-              <a:tr h="0">
+              <a:tr h="272068">
                 <a:tc>
                   <a:txBody>
                     <a:bodyPr/>
@@ -5764,7 +7088,7 @@
                       </a:endParaRPr>
                     </a:p>
                   </a:txBody>
-                  <a:tcPr marL="68580" marR="68580" marT="0" marB="0">
+                  <a:tcPr marL="68580" marR="68580" marT="0" marB="0" anchor="ctr">
                     <a:lnL w="12700" cap="flat" cmpd="sng" algn="ctr">
                       <a:solidFill>
                         <a:srgbClr val="000000"/>
@@ -5801,6 +7125,12 @@
                       <a:headEnd type="none" w="med" len="med"/>
                       <a:tailEnd type="none" w="med" len="med"/>
                     </a:lnB>
+                    <a:solidFill>
+                      <a:schemeClr val="accent1">
+                        <a:lumMod val="20000"/>
+                        <a:lumOff val="80000"/>
+                      </a:schemeClr>
+                    </a:solidFill>
                   </a:tcPr>
                 </a:tc>
                 <a:tc>
@@ -5817,21 +7147,21 @@
                         </a:spcAft>
                       </a:pPr>
                       <a:r>
-                        <a:rPr lang="he-IL" sz="900">
+                        <a:rPr lang="he-IL" sz="900" dirty="0">
                           <a:latin typeface="Calibri"/>
                           <a:ea typeface="Calibri"/>
                           <a:cs typeface="Arial"/>
                         </a:rPr>
                         <a:t>1.0</a:t>
                       </a:r>
-                      <a:endParaRPr lang="en-US" sz="1100">
+                      <a:endParaRPr lang="en-US" sz="1100" dirty="0">
                         <a:latin typeface="Calibri"/>
                         <a:ea typeface="Calibri"/>
                         <a:cs typeface="Gisha"/>
                       </a:endParaRPr>
                     </a:p>
                   </a:txBody>
-                  <a:tcPr marL="68580" marR="68580" marT="0" marB="0">
+                  <a:tcPr marL="68580" marR="68580" marT="0" marB="0" anchor="ctr">
                     <a:lnL w="12700" cap="flat" cmpd="sng" algn="ctr">
                       <a:solidFill>
                         <a:srgbClr val="000000"/>
@@ -5868,6 +7198,12 @@
                       <a:headEnd type="none" w="med" len="med"/>
                       <a:tailEnd type="none" w="med" len="med"/>
                     </a:lnB>
+                    <a:solidFill>
+                      <a:schemeClr val="accent1">
+                        <a:lumMod val="20000"/>
+                        <a:lumOff val="80000"/>
+                      </a:schemeClr>
+                    </a:solidFill>
                   </a:tcPr>
                 </a:tc>
                 <a:tc>
@@ -5906,7 +7242,7 @@
                       </a:endParaRPr>
                     </a:p>
                   </a:txBody>
-                  <a:tcPr marL="68580" marR="68580" marT="0" marB="0">
+                  <a:tcPr marL="68580" marR="68580" marT="0" marB="0" anchor="ctr">
                     <a:lnL w="12700" cap="flat" cmpd="sng" algn="ctr">
                       <a:solidFill>
                         <a:srgbClr val="000000"/>
@@ -5943,10 +7279,16 @@
                       <a:headEnd type="none" w="med" len="med"/>
                       <a:tailEnd type="none" w="med" len="med"/>
                     </a:lnB>
+                    <a:solidFill>
+                      <a:schemeClr val="accent1">
+                        <a:lumMod val="20000"/>
+                        <a:lumOff val="80000"/>
+                      </a:schemeClr>
+                    </a:solidFill>
                   </a:tcPr>
                 </a:tc>
               </a:tr>
-              <a:tr h="0">
+              <a:tr h="162314">
                 <a:tc>
                   <a:txBody>
                     <a:bodyPr/>
@@ -5975,7 +7317,7 @@
                       </a:endParaRPr>
                     </a:p>
                   </a:txBody>
-                  <a:tcPr marL="68580" marR="68580" marT="0" marB="0">
+                  <a:tcPr marL="68580" marR="68580" marT="0" marB="0" anchor="ctr">
                     <a:lnL w="12700" cap="flat" cmpd="sng" algn="ctr">
                       <a:solidFill>
                         <a:srgbClr val="000000"/>
@@ -6012,6 +7354,12 @@
                       <a:headEnd type="none" w="med" len="med"/>
                       <a:tailEnd type="none" w="med" len="med"/>
                     </a:lnB>
+                    <a:solidFill>
+                      <a:schemeClr val="accent1">
+                        <a:lumMod val="20000"/>
+                        <a:lumOff val="80000"/>
+                      </a:schemeClr>
+                    </a:solidFill>
                   </a:tcPr>
                 </a:tc>
                 <a:tc>
@@ -6042,7 +7390,7 @@
                       </a:endParaRPr>
                     </a:p>
                   </a:txBody>
-                  <a:tcPr marL="68580" marR="68580" marT="0" marB="0">
+                  <a:tcPr marL="68580" marR="68580" marT="0" marB="0" anchor="ctr">
                     <a:lnL w="12700" cap="flat" cmpd="sng" algn="ctr">
                       <a:solidFill>
                         <a:srgbClr val="000000"/>
@@ -6079,6 +7427,12 @@
                       <a:headEnd type="none" w="med" len="med"/>
                       <a:tailEnd type="none" w="med" len="med"/>
                     </a:lnB>
+                    <a:solidFill>
+                      <a:schemeClr val="accent1">
+                        <a:lumMod val="20000"/>
+                        <a:lumOff val="80000"/>
+                      </a:schemeClr>
+                    </a:solidFill>
                   </a:tcPr>
                 </a:tc>
                 <a:tc>
@@ -6117,7 +7471,7 @@
                       </a:endParaRPr>
                     </a:p>
                   </a:txBody>
-                  <a:tcPr marL="68580" marR="68580" marT="0" marB="0">
+                  <a:tcPr marL="68580" marR="68580" marT="0" marB="0" anchor="ctr">
                     <a:lnL w="12700" cap="flat" cmpd="sng" algn="ctr">
                       <a:solidFill>
                         <a:srgbClr val="000000"/>
@@ -6154,10 +7508,16 @@
                       <a:headEnd type="none" w="med" len="med"/>
                       <a:tailEnd type="none" w="med" len="med"/>
                     </a:lnB>
+                    <a:solidFill>
+                      <a:schemeClr val="accent1">
+                        <a:lumMod val="20000"/>
+                        <a:lumOff val="80000"/>
+                      </a:schemeClr>
+                    </a:solidFill>
                   </a:tcPr>
                 </a:tc>
               </a:tr>
-              <a:tr h="0">
+              <a:tr h="324627">
                 <a:tc>
                   <a:txBody>
                     <a:bodyPr/>
@@ -6186,7 +7546,7 @@
                       </a:endParaRPr>
                     </a:p>
                   </a:txBody>
-                  <a:tcPr marL="68580" marR="68580" marT="0" marB="0">
+                  <a:tcPr marL="68580" marR="68580" marT="0" marB="0" anchor="ctr">
                     <a:lnL w="12700" cap="flat" cmpd="sng" algn="ctr">
                       <a:solidFill>
                         <a:srgbClr val="000000"/>
@@ -6223,6 +7583,12 @@
                       <a:headEnd type="none" w="med" len="med"/>
                       <a:tailEnd type="none" w="med" len="med"/>
                     </a:lnB>
+                    <a:solidFill>
+                      <a:schemeClr val="accent1">
+                        <a:lumMod val="20000"/>
+                        <a:lumOff val="80000"/>
+                      </a:schemeClr>
+                    </a:solidFill>
                   </a:tcPr>
                 </a:tc>
                 <a:tc>
@@ -6253,7 +7619,7 @@
                       </a:endParaRPr>
                     </a:p>
                   </a:txBody>
-                  <a:tcPr marL="68580" marR="68580" marT="0" marB="0">
+                  <a:tcPr marL="68580" marR="68580" marT="0" marB="0" anchor="ctr">
                     <a:lnL w="12700" cap="flat" cmpd="sng" algn="ctr">
                       <a:solidFill>
                         <a:srgbClr val="000000"/>
@@ -6290,6 +7656,12 @@
                       <a:headEnd type="none" w="med" len="med"/>
                       <a:tailEnd type="none" w="med" len="med"/>
                     </a:lnB>
+                    <a:solidFill>
+                      <a:schemeClr val="accent1">
+                        <a:lumMod val="20000"/>
+                        <a:lumOff val="80000"/>
+                      </a:schemeClr>
+                    </a:solidFill>
                   </a:tcPr>
                 </a:tc>
                 <a:tc>
@@ -6328,7 +7700,7 @@
                       </a:endParaRPr>
                     </a:p>
                   </a:txBody>
-                  <a:tcPr marL="68580" marR="68580" marT="0" marB="0">
+                  <a:tcPr marL="68580" marR="68580" marT="0" marB="0" anchor="ctr">
                     <a:lnL w="12700" cap="flat" cmpd="sng" algn="ctr">
                       <a:solidFill>
                         <a:srgbClr val="000000"/>
@@ -6365,6 +7737,12 @@
                       <a:headEnd type="none" w="med" len="med"/>
                       <a:tailEnd type="none" w="med" len="med"/>
                     </a:lnB>
+                    <a:solidFill>
+                      <a:schemeClr val="accent1">
+                        <a:lumMod val="20000"/>
+                        <a:lumOff val="80000"/>
+                      </a:schemeClr>
+                    </a:solidFill>
                   </a:tcPr>
                 </a:tc>
               </a:tr>
@@ -6382,7 +7760,7 @@
         </p:nvGraphicFramePr>
         <p:xfrm>
           <a:off x="2915816" y="5517232"/>
-          <a:ext cx="6109809" cy="1209996"/>
+          <a:ext cx="6109809" cy="1062425"/>
         </p:xfrm>
         <a:graphic>
           <a:graphicData uri="http://schemas.openxmlformats.org/drawingml/2006/table">
@@ -6393,7 +7771,7 @@
                 <a:gridCol w="2036842"/>
                 <a:gridCol w="2036842"/>
               </a:tblGrid>
-              <a:tr h="365757">
+              <a:tr h="216024">
                 <a:tc>
                   <a:txBody>
                     <a:bodyPr/>
@@ -6422,7 +7800,7 @@
                       </a:endParaRPr>
                     </a:p>
                   </a:txBody>
-                  <a:tcPr marL="68580" marR="68580" marT="0" marB="0">
+                  <a:tcPr marL="68580" marR="68580" marT="0" marB="0" anchor="ctr">
                     <a:lnL w="12700" cap="flat" cmpd="sng" algn="ctr">
                       <a:solidFill>
                         <a:srgbClr val="000000"/>
@@ -6459,6 +7837,12 @@
                       <a:headEnd type="none" w="med" len="med"/>
                       <a:tailEnd type="none" w="med" len="med"/>
                     </a:lnB>
+                    <a:solidFill>
+                      <a:schemeClr val="accent1">
+                        <a:lumMod val="20000"/>
+                        <a:lumOff val="80000"/>
+                      </a:schemeClr>
+                    </a:solidFill>
                   </a:tcPr>
                 </a:tc>
                 <a:tc>
@@ -6489,7 +7873,7 @@
                       </a:endParaRPr>
                     </a:p>
                   </a:txBody>
-                  <a:tcPr marL="68580" marR="68580" marT="0" marB="0">
+                  <a:tcPr marL="68580" marR="68580" marT="0" marB="0" anchor="ctr">
                     <a:lnL w="12700" cap="flat" cmpd="sng" algn="ctr">
                       <a:solidFill>
                         <a:srgbClr val="000000"/>
@@ -6526,6 +7910,12 @@
                       <a:headEnd type="none" w="med" len="med"/>
                       <a:tailEnd type="none" w="med" len="med"/>
                     </a:lnB>
+                    <a:solidFill>
+                      <a:schemeClr val="accent1">
+                        <a:lumMod val="20000"/>
+                        <a:lumOff val="80000"/>
+                      </a:schemeClr>
+                    </a:solidFill>
                   </a:tcPr>
                 </a:tc>
                 <a:tc>
@@ -6542,21 +7932,21 @@
                         </a:spcAft>
                       </a:pPr>
                       <a:r>
-                        <a:rPr lang="en-US" sz="1400">
+                        <a:rPr lang="en-US" sz="1400" dirty="0">
                           <a:latin typeface="Calibri"/>
                           <a:ea typeface="Calibri"/>
                           <a:cs typeface="Gisha"/>
                         </a:rPr>
                         <a:t>bigram</a:t>
                       </a:r>
-                      <a:endParaRPr lang="en-US" sz="1100">
+                      <a:endParaRPr lang="en-US" sz="1100" dirty="0">
                         <a:latin typeface="Calibri"/>
                         <a:ea typeface="Calibri"/>
                         <a:cs typeface="Gisha"/>
                       </a:endParaRPr>
                     </a:p>
                   </a:txBody>
-                  <a:tcPr marL="68580" marR="68580" marT="0" marB="0">
+                  <a:tcPr marL="68580" marR="68580" marT="0" marB="0" anchor="ctr">
                     <a:lnL w="12700" cap="flat" cmpd="sng" algn="ctr">
                       <a:solidFill>
                         <a:srgbClr val="000000"/>
@@ -6593,6 +7983,12 @@
                       <a:headEnd type="none" w="med" len="med"/>
                       <a:tailEnd type="none" w="med" len="med"/>
                     </a:lnB>
+                    <a:solidFill>
+                      <a:schemeClr val="accent1">
+                        <a:lumMod val="20000"/>
+                        <a:lumOff val="80000"/>
+                      </a:schemeClr>
+                    </a:solidFill>
                   </a:tcPr>
                 </a:tc>
               </a:tr>
@@ -6625,7 +8021,7 @@
                       </a:endParaRPr>
                     </a:p>
                   </a:txBody>
-                  <a:tcPr marL="68580" marR="68580" marT="0" marB="0">
+                  <a:tcPr marL="68580" marR="68580" marT="0" marB="0" anchor="ctr">
                     <a:lnL w="12700" cap="flat" cmpd="sng" algn="ctr">
                       <a:solidFill>
                         <a:srgbClr val="000000"/>
@@ -6662,6 +8058,12 @@
                       <a:headEnd type="none" w="med" len="med"/>
                       <a:tailEnd type="none" w="med" len="med"/>
                     </a:lnB>
+                    <a:solidFill>
+                      <a:schemeClr val="accent1">
+                        <a:lumMod val="20000"/>
+                        <a:lumOff val="80000"/>
+                      </a:schemeClr>
+                    </a:solidFill>
                   </a:tcPr>
                 </a:tc>
                 <a:tc>
@@ -6692,7 +8094,7 @@
                       </a:endParaRPr>
                     </a:p>
                   </a:txBody>
-                  <a:tcPr marL="68580" marR="68580" marT="0" marB="0">
+                  <a:tcPr marL="68580" marR="68580" marT="0" marB="0" anchor="ctr">
                     <a:lnL w="12700" cap="flat" cmpd="sng" algn="ctr">
                       <a:solidFill>
                         <a:srgbClr val="000000"/>
@@ -6729,6 +8131,12 @@
                       <a:headEnd type="none" w="med" len="med"/>
                       <a:tailEnd type="none" w="med" len="med"/>
                     </a:lnB>
+                    <a:solidFill>
+                      <a:schemeClr val="accent1">
+                        <a:lumMod val="20000"/>
+                        <a:lumOff val="80000"/>
+                      </a:schemeClr>
+                    </a:solidFill>
                   </a:tcPr>
                 </a:tc>
                 <a:tc>
@@ -6745,21 +8153,21 @@
                         </a:spcAft>
                       </a:pPr>
                       <a:r>
-                        <a:rPr lang="en-US" sz="900">
+                        <a:rPr lang="en-US" sz="900" dirty="0">
                           <a:latin typeface="Arial"/>
                           <a:ea typeface="Calibri"/>
                           <a:cs typeface="Gisha"/>
                         </a:rPr>
                         <a:t>scandalous thing</a:t>
                       </a:r>
-                      <a:endParaRPr lang="en-US" sz="1100">
+                      <a:endParaRPr lang="en-US" sz="1100" dirty="0">
                         <a:latin typeface="Calibri"/>
                         <a:ea typeface="Calibri"/>
                         <a:cs typeface="Gisha"/>
                       </a:endParaRPr>
                     </a:p>
                   </a:txBody>
-                  <a:tcPr marL="68580" marR="68580" marT="0" marB="0">
+                  <a:tcPr marL="68580" marR="68580" marT="0" marB="0" anchor="ctr">
                     <a:lnL w="12700" cap="flat" cmpd="sng" algn="ctr">
                       <a:solidFill>
                         <a:srgbClr val="000000"/>
@@ -6796,6 +8204,12 @@
                       <a:headEnd type="none" w="med" len="med"/>
                       <a:tailEnd type="none" w="med" len="med"/>
                     </a:lnB>
+                    <a:solidFill>
+                      <a:schemeClr val="accent1">
+                        <a:lumMod val="20000"/>
+                        <a:lumOff val="80000"/>
+                      </a:schemeClr>
+                    </a:solidFill>
                   </a:tcPr>
                 </a:tc>
               </a:tr>
@@ -6828,7 +8242,7 @@
                       </a:endParaRPr>
                     </a:p>
                   </a:txBody>
-                  <a:tcPr marL="68580" marR="68580" marT="0" marB="0">
+                  <a:tcPr marL="68580" marR="68580" marT="0" marB="0" anchor="ctr">
                     <a:lnL w="12700" cap="flat" cmpd="sng" algn="ctr">
                       <a:solidFill>
                         <a:srgbClr val="000000"/>
@@ -6865,6 +8279,12 @@
                       <a:headEnd type="none" w="med" len="med"/>
                       <a:tailEnd type="none" w="med" len="med"/>
                     </a:lnB>
+                    <a:solidFill>
+                      <a:schemeClr val="accent1">
+                        <a:lumMod val="20000"/>
+                        <a:lumOff val="80000"/>
+                      </a:schemeClr>
+                    </a:solidFill>
                   </a:tcPr>
                 </a:tc>
                 <a:tc>
@@ -6895,7 +8315,7 @@
                       </a:endParaRPr>
                     </a:p>
                   </a:txBody>
-                  <a:tcPr marL="68580" marR="68580" marT="0" marB="0">
+                  <a:tcPr marL="68580" marR="68580" marT="0" marB="0" anchor="ctr">
                     <a:lnL w="12700" cap="flat" cmpd="sng" algn="ctr">
                       <a:solidFill>
                         <a:srgbClr val="000000"/>
@@ -6932,6 +8352,12 @@
                       <a:headEnd type="none" w="med" len="med"/>
                       <a:tailEnd type="none" w="med" len="med"/>
                     </a:lnB>
+                    <a:solidFill>
+                      <a:schemeClr val="accent1">
+                        <a:lumMod val="20000"/>
+                        <a:lumOff val="80000"/>
+                      </a:schemeClr>
+                    </a:solidFill>
                   </a:tcPr>
                 </a:tc>
                 <a:tc>
@@ -6948,21 +8374,21 @@
                         </a:spcAft>
                       </a:pPr>
                       <a:r>
-                        <a:rPr lang="en-US" sz="900">
+                        <a:rPr lang="en-US" sz="900" dirty="0">
                           <a:latin typeface="Arial"/>
                           <a:ea typeface="Calibri"/>
                           <a:cs typeface="Gisha"/>
                         </a:rPr>
                         <a:t>page 88</a:t>
                       </a:r>
-                      <a:endParaRPr lang="en-US" sz="1100">
+                      <a:endParaRPr lang="en-US" sz="1100" dirty="0">
                         <a:latin typeface="Calibri"/>
                         <a:ea typeface="Calibri"/>
                         <a:cs typeface="Gisha"/>
                       </a:endParaRPr>
                     </a:p>
                   </a:txBody>
-                  <a:tcPr marL="68580" marR="68580" marT="0" marB="0">
+                  <a:tcPr marL="68580" marR="68580" marT="0" marB="0" anchor="ctr">
                     <a:lnL w="12700" cap="flat" cmpd="sng" algn="ctr">
                       <a:solidFill>
                         <a:srgbClr val="000000"/>
@@ -6999,6 +8425,12 @@
                       <a:headEnd type="none" w="med" len="med"/>
                       <a:tailEnd type="none" w="med" len="med"/>
                     </a:lnB>
+                    <a:solidFill>
+                      <a:schemeClr val="accent1">
+                        <a:lumMod val="20000"/>
+                        <a:lumOff val="80000"/>
+                      </a:schemeClr>
+                    </a:solidFill>
                   </a:tcPr>
                 </a:tc>
               </a:tr>
@@ -7031,7 +8463,7 @@
                       </a:endParaRPr>
                     </a:p>
                   </a:txBody>
-                  <a:tcPr marL="68580" marR="68580" marT="0" marB="0">
+                  <a:tcPr marL="68580" marR="68580" marT="0" marB="0" anchor="ctr">
                     <a:lnL w="12700" cap="flat" cmpd="sng" algn="ctr">
                       <a:solidFill>
                         <a:srgbClr val="000000"/>
@@ -7068,6 +8500,12 @@
                       <a:headEnd type="none" w="med" len="med"/>
                       <a:tailEnd type="none" w="med" len="med"/>
                     </a:lnB>
+                    <a:solidFill>
+                      <a:schemeClr val="accent1">
+                        <a:lumMod val="20000"/>
+                        <a:lumOff val="80000"/>
+                      </a:schemeClr>
+                    </a:solidFill>
                   </a:tcPr>
                 </a:tc>
                 <a:tc>
@@ -7098,7 +8536,7 @@
                       </a:endParaRPr>
                     </a:p>
                   </a:txBody>
-                  <a:tcPr marL="68580" marR="68580" marT="0" marB="0">
+                  <a:tcPr marL="68580" marR="68580" marT="0" marB="0" anchor="ctr">
                     <a:lnL w="12700" cap="flat" cmpd="sng" algn="ctr">
                       <a:solidFill>
                         <a:srgbClr val="000000"/>
@@ -7135,6 +8573,12 @@
                       <a:headEnd type="none" w="med" len="med"/>
                       <a:tailEnd type="none" w="med" len="med"/>
                     </a:lnB>
+                    <a:solidFill>
+                      <a:schemeClr val="accent1">
+                        <a:lumMod val="20000"/>
+                        <a:lumOff val="80000"/>
+                      </a:schemeClr>
+                    </a:solidFill>
                   </a:tcPr>
                 </a:tc>
                 <a:tc>
@@ -7165,7 +8609,7 @@
                       </a:endParaRPr>
                     </a:p>
                   </a:txBody>
-                  <a:tcPr marL="68580" marR="68580" marT="0" marB="0">
+                  <a:tcPr marL="68580" marR="68580" marT="0" marB="0" anchor="ctr">
                     <a:lnL w="12700" cap="flat" cmpd="sng" algn="ctr">
                       <a:solidFill>
                         <a:srgbClr val="000000"/>
@@ -7202,6 +8646,12 @@
                       <a:headEnd type="none" w="med" len="med"/>
                       <a:tailEnd type="none" w="med" len="med"/>
                     </a:lnB>
+                    <a:solidFill>
+                      <a:schemeClr val="accent1">
+                        <a:lumMod val="20000"/>
+                        <a:lumOff val="80000"/>
+                      </a:schemeClr>
+                    </a:solidFill>
                   </a:tcPr>
                 </a:tc>
               </a:tr>
@@ -7342,8 +8792,8 @@
         </p:blipFill>
         <p:spPr bwMode="auto">
           <a:xfrm>
-            <a:off x="4427984" y="2924944"/>
-            <a:ext cx="1981200" cy="2305050"/>
+            <a:off x="4499992" y="3068960"/>
+            <a:ext cx="1981200" cy="2017018"/>
           </a:xfrm>
           <a:prstGeom prst="rect">
             <a:avLst/>
@@ -7408,6 +8858,13 @@
   <p:clrMapOvr>
     <a:masterClrMapping/>
   </p:clrMapOvr>
+  <p:timing>
+    <p:tnLst>
+      <p:par>
+        <p:cTn id="1" dur="indefinite" restart="never" nodeType="tmRoot"/>
+      </p:par>
+    </p:tnLst>
+  </p:timing>
 </p:sld>
 </file>
 
